--- a/intro-python-excel-users.pptx
+++ b/intro-python-excel-users.pptx
@@ -5,36 +5,35 @@
     <p:sldMasterId id="2147483648" r:id="rId1"/>
   </p:sldMasterIdLst>
   <p:notesMasterIdLst>
-    <p:notesMasterId r:id="rId29"/>
+    <p:notesMasterId r:id="rId28"/>
   </p:notesMasterIdLst>
   <p:sldIdLst>
-    <p:sldId id="437" r:id="rId2"/>
-    <p:sldId id="356" r:id="rId3"/>
-    <p:sldId id="258" r:id="rId4"/>
-    <p:sldId id="435" r:id="rId5"/>
-    <p:sldId id="267" r:id="rId6"/>
-    <p:sldId id="352" r:id="rId7"/>
-    <p:sldId id="328" r:id="rId8"/>
-    <p:sldId id="324" r:id="rId9"/>
-    <p:sldId id="341" r:id="rId10"/>
-    <p:sldId id="348" r:id="rId11"/>
-    <p:sldId id="340" r:id="rId12"/>
-    <p:sldId id="275" r:id="rId13"/>
-    <p:sldId id="349" r:id="rId14"/>
-    <p:sldId id="344" r:id="rId15"/>
-    <p:sldId id="351" r:id="rId16"/>
-    <p:sldId id="342" r:id="rId17"/>
-    <p:sldId id="347" r:id="rId18"/>
-    <p:sldId id="354" r:id="rId19"/>
-    <p:sldId id="350" r:id="rId20"/>
-    <p:sldId id="343" r:id="rId21"/>
-    <p:sldId id="355" r:id="rId22"/>
-    <p:sldId id="329" r:id="rId23"/>
-    <p:sldId id="306" r:id="rId24"/>
-    <p:sldId id="357" r:id="rId25"/>
-    <p:sldId id="438" r:id="rId26"/>
-    <p:sldId id="434" r:id="rId27"/>
-    <p:sldId id="432" r:id="rId28"/>
+    <p:sldId id="356" r:id="rId2"/>
+    <p:sldId id="258" r:id="rId3"/>
+    <p:sldId id="435" r:id="rId4"/>
+    <p:sldId id="267" r:id="rId5"/>
+    <p:sldId id="352" r:id="rId6"/>
+    <p:sldId id="328" r:id="rId7"/>
+    <p:sldId id="324" r:id="rId8"/>
+    <p:sldId id="341" r:id="rId9"/>
+    <p:sldId id="348" r:id="rId10"/>
+    <p:sldId id="340" r:id="rId11"/>
+    <p:sldId id="275" r:id="rId12"/>
+    <p:sldId id="349" r:id="rId13"/>
+    <p:sldId id="344" r:id="rId14"/>
+    <p:sldId id="351" r:id="rId15"/>
+    <p:sldId id="342" r:id="rId16"/>
+    <p:sldId id="347" r:id="rId17"/>
+    <p:sldId id="354" r:id="rId18"/>
+    <p:sldId id="350" r:id="rId19"/>
+    <p:sldId id="343" r:id="rId20"/>
+    <p:sldId id="355" r:id="rId21"/>
+    <p:sldId id="329" r:id="rId22"/>
+    <p:sldId id="306" r:id="rId23"/>
+    <p:sldId id="357" r:id="rId24"/>
+    <p:sldId id="438" r:id="rId25"/>
+    <p:sldId id="434" r:id="rId26"/>
+    <p:sldId id="432" r:id="rId27"/>
   </p:sldIdLst>
   <p:sldSz cx="12192000" cy="6858000"/>
   <p:notesSz cx="6858000" cy="9144000"/>
@@ -2185,7 +2184,7 @@
           <a:p>
             <a:fld id="{3BB66621-ADCC-4EF8-8003-B9D3E881DCD2}" type="slidenum">
               <a:rPr lang="en-US" smtClean="0"/>
-              <a:t>2</a:t>
+              <a:t>1</a:t>
             </a:fld>
             <a:endParaRPr lang="en-US"/>
           </a:p>
@@ -2269,7 +2268,7 @@
           <a:p>
             <a:fld id="{3BB66621-ADCC-4EF8-8003-B9D3E881DCD2}" type="slidenum">
               <a:rPr lang="en-US" smtClean="0"/>
-              <a:t>11</a:t>
+              <a:t>10</a:t>
             </a:fld>
             <a:endParaRPr lang="en-US"/>
           </a:p>
@@ -2356,7 +2355,7 @@
           <a:p>
             <a:fld id="{3BB66621-ADCC-4EF8-8003-B9D3E881DCD2}" type="slidenum">
               <a:rPr lang="en-US" smtClean="0"/>
-              <a:t>12</a:t>
+              <a:t>11</a:t>
             </a:fld>
             <a:endParaRPr lang="en-US"/>
           </a:p>
@@ -2440,7 +2439,7 @@
           <a:p>
             <a:fld id="{3BB66621-ADCC-4EF8-8003-B9D3E881DCD2}" type="slidenum">
               <a:rPr lang="en-US" smtClean="0"/>
-              <a:t>13</a:t>
+              <a:t>12</a:t>
             </a:fld>
             <a:endParaRPr lang="en-US"/>
           </a:p>
@@ -2536,7 +2535,7 @@
           <a:p>
             <a:fld id="{3BB66621-ADCC-4EF8-8003-B9D3E881DCD2}" type="slidenum">
               <a:rPr lang="en-US" smtClean="0"/>
-              <a:t>14</a:t>
+              <a:t>13</a:t>
             </a:fld>
             <a:endParaRPr lang="en-US"/>
           </a:p>
@@ -2638,7 +2637,7 @@
           <a:p>
             <a:fld id="{3BB66621-ADCC-4EF8-8003-B9D3E881DCD2}" type="slidenum">
               <a:rPr lang="en-US" smtClean="0"/>
-              <a:t>15</a:t>
+              <a:t>14</a:t>
             </a:fld>
             <a:endParaRPr lang="en-US"/>
           </a:p>
@@ -2722,7 +2721,7 @@
           <a:p>
             <a:fld id="{3BB66621-ADCC-4EF8-8003-B9D3E881DCD2}" type="slidenum">
               <a:rPr lang="en-US" smtClean="0"/>
-              <a:t>16</a:t>
+              <a:t>15</a:t>
             </a:fld>
             <a:endParaRPr lang="en-US"/>
           </a:p>
@@ -2809,7 +2808,7 @@
           <a:p>
             <a:fld id="{3BB66621-ADCC-4EF8-8003-B9D3E881DCD2}" type="slidenum">
               <a:rPr lang="en-US" smtClean="0"/>
-              <a:t>17</a:t>
+              <a:t>16</a:t>
             </a:fld>
             <a:endParaRPr lang="en-US"/>
           </a:p>
@@ -2896,7 +2895,7 @@
           <a:p>
             <a:fld id="{3BB66621-ADCC-4EF8-8003-B9D3E881DCD2}" type="slidenum">
               <a:rPr lang="en-US" smtClean="0"/>
-              <a:t>18</a:t>
+              <a:t>17</a:t>
             </a:fld>
             <a:endParaRPr lang="en-US"/>
           </a:p>
@@ -3000,7 +2999,7 @@
           <a:p>
             <a:fld id="{3BB66621-ADCC-4EF8-8003-B9D3E881DCD2}" type="slidenum">
               <a:rPr lang="en-US" smtClean="0"/>
-              <a:t>19</a:t>
+              <a:t>18</a:t>
             </a:fld>
             <a:endParaRPr lang="en-US"/>
           </a:p>
@@ -3087,7 +3086,7 @@
           <a:p>
             <a:fld id="{3BB66621-ADCC-4EF8-8003-B9D3E881DCD2}" type="slidenum">
               <a:rPr lang="en-US" smtClean="0"/>
-              <a:t>20</a:t>
+              <a:t>19</a:t>
             </a:fld>
             <a:endParaRPr lang="en-US"/>
           </a:p>
@@ -3171,7 +3170,7 @@
           <a:p>
             <a:fld id="{3BB66621-ADCC-4EF8-8003-B9D3E881DCD2}" type="slidenum">
               <a:rPr lang="en-US" smtClean="0"/>
-              <a:t>3</a:t>
+              <a:t>2</a:t>
             </a:fld>
             <a:endParaRPr lang="en-US"/>
           </a:p>
@@ -3267,7 +3266,7 @@
           <a:p>
             <a:fld id="{3BB66621-ADCC-4EF8-8003-B9D3E881DCD2}" type="slidenum">
               <a:rPr lang="en-US" smtClean="0"/>
-              <a:t>21</a:t>
+              <a:t>20</a:t>
             </a:fld>
             <a:endParaRPr lang="en-US"/>
           </a:p>
@@ -3369,7 +3368,7 @@
           <a:p>
             <a:fld id="{3BB66621-ADCC-4EF8-8003-B9D3E881DCD2}" type="slidenum">
               <a:rPr lang="en-US" smtClean="0"/>
-              <a:t>22</a:t>
+              <a:t>21</a:t>
             </a:fld>
             <a:endParaRPr lang="en-US"/>
           </a:p>
@@ -3485,7 +3484,7 @@
           <a:p>
             <a:fld id="{3BB66621-ADCC-4EF8-8003-B9D3E881DCD2}" type="slidenum">
               <a:rPr lang="en-US" smtClean="0"/>
-              <a:t>24</a:t>
+              <a:t>23</a:t>
             </a:fld>
             <a:endParaRPr lang="en-US"/>
           </a:p>
@@ -3601,7 +3600,7 @@
           <a:p>
             <a:fld id="{3BB66621-ADCC-4EF8-8003-B9D3E881DCD2}" type="slidenum">
               <a:rPr lang="en-US" smtClean="0"/>
-              <a:t>25</a:t>
+              <a:t>24</a:t>
             </a:fld>
             <a:endParaRPr lang="en-US"/>
           </a:p>
@@ -3703,7 +3702,7 @@
           <a:p>
             <a:fld id="{3BB66621-ADCC-4EF8-8003-B9D3E881DCD2}" type="slidenum">
               <a:rPr lang="en-US" smtClean="0"/>
-              <a:t>4</a:t>
+              <a:t>3</a:t>
             </a:fld>
             <a:endParaRPr lang="en-US"/>
           </a:p>
@@ -3796,7 +3795,7 @@
           <a:p>
             <a:fld id="{3BB66621-ADCC-4EF8-8003-B9D3E881DCD2}" type="slidenum">
               <a:rPr lang="en-US" smtClean="0"/>
-              <a:t>5</a:t>
+              <a:t>4</a:t>
             </a:fld>
             <a:endParaRPr lang="en-US"/>
           </a:p>
@@ -3883,7 +3882,7 @@
           <a:p>
             <a:fld id="{3BB66621-ADCC-4EF8-8003-B9D3E881DCD2}" type="slidenum">
               <a:rPr lang="en-US" smtClean="0"/>
-              <a:t>6</a:t>
+              <a:t>5</a:t>
             </a:fld>
             <a:endParaRPr lang="en-US"/>
           </a:p>
@@ -3978,7 +3977,7 @@
           <a:p>
             <a:fld id="{3BB66621-ADCC-4EF8-8003-B9D3E881DCD2}" type="slidenum">
               <a:rPr lang="en-US" smtClean="0"/>
-              <a:t>7</a:t>
+              <a:t>6</a:t>
             </a:fld>
             <a:endParaRPr lang="en-US"/>
           </a:p>
@@ -4083,7 +4082,7 @@
           <a:p>
             <a:fld id="{3BB66621-ADCC-4EF8-8003-B9D3E881DCD2}" type="slidenum">
               <a:rPr lang="en-US" smtClean="0"/>
-              <a:t>8</a:t>
+              <a:t>7</a:t>
             </a:fld>
             <a:endParaRPr lang="en-US"/>
           </a:p>
@@ -4167,7 +4166,7 @@
           <a:p>
             <a:fld id="{3BB66621-ADCC-4EF8-8003-B9D3E881DCD2}" type="slidenum">
               <a:rPr lang="en-US" smtClean="0"/>
-              <a:t>9</a:t>
+              <a:t>8</a:t>
             </a:fld>
             <a:endParaRPr lang="en-US"/>
           </a:p>
@@ -4262,7 +4261,7 @@
           <a:p>
             <a:fld id="{3BB66621-ADCC-4EF8-8003-B9D3E881DCD2}" type="slidenum">
               <a:rPr lang="en-US" smtClean="0"/>
-              <a:t>10</a:t>
+              <a:t>9</a:t>
             </a:fld>
             <a:endParaRPr lang="en-US"/>
           </a:p>
@@ -7117,6 +7116,189 @@
           <a:chExt cx="0" cy="0"/>
         </a:xfrm>
       </p:grpSpPr>
+      <p:pic>
+        <p:nvPicPr>
+          <p:cNvPr id="10" name="Picture 9"/>
+          <p:cNvPicPr>
+            <a:picLocks noChangeAspect="1"/>
+          </p:cNvPicPr>
+          <p:nvPr/>
+        </p:nvPicPr>
+        <p:blipFill rotWithShape="1">
+          <a:blip r:embed="rId3">
+            <a:extLst>
+              <a:ext uri="{28A0092B-C50C-407E-A947-70E740481C1C}">
+                <a14:useLocalDpi xmlns:a14="http://schemas.microsoft.com/office/drawing/2010/main" val="0"/>
+              </a:ext>
+            </a:extLst>
+          </a:blip>
+          <a:srcRect l="50728" t="56371"/>
+          <a:stretch/>
+        </p:blipFill>
+        <p:spPr>
+          <a:xfrm>
+            <a:off x="10894024" y="5370653"/>
+            <a:ext cx="1297975" cy="1487348"/>
+          </a:xfrm>
+          <a:prstGeom prst="rect">
+            <a:avLst/>
+          </a:prstGeom>
+        </p:spPr>
+      </p:pic>
+      <p:sp>
+        <p:nvSpPr>
+          <p:cNvPr id="11" name="TextBox 10"/>
+          <p:cNvSpPr txBox="1"/>
+          <p:nvPr/>
+        </p:nvSpPr>
+        <p:spPr>
+          <a:xfrm>
+            <a:off x="347240" y="113388"/>
+            <a:ext cx="9799937" cy="1015663"/>
+          </a:xfrm>
+          <a:prstGeom prst="rect">
+            <a:avLst/>
+          </a:prstGeom>
+          <a:noFill/>
+        </p:spPr>
+        <p:txBody>
+          <a:bodyPr wrap="square" rtlCol="0">
+            <a:spAutoFit/>
+          </a:bodyPr>
+          <a:lstStyle/>
+          <a:p>
+            <a:r>
+              <a:rPr lang="en-US" sz="6000" dirty="0">
+                <a:latin typeface="Aliens &amp; cows" panose="00000500000000000000" pitchFamily="2" charset="0"/>
+              </a:rPr>
+              <a:t>Follow along</a:t>
+            </a:r>
+          </a:p>
+        </p:txBody>
+      </p:sp>
+      <p:sp>
+        <p:nvSpPr>
+          <p:cNvPr id="3" name="TextBox 2"/>
+          <p:cNvSpPr txBox="1"/>
+          <p:nvPr/>
+        </p:nvSpPr>
+        <p:spPr>
+          <a:xfrm>
+            <a:off x="462988" y="1365813"/>
+            <a:ext cx="8245584" cy="1384995"/>
+          </a:xfrm>
+          <a:prstGeom prst="rect">
+            <a:avLst/>
+          </a:prstGeom>
+          <a:noFill/>
+        </p:spPr>
+        <p:txBody>
+          <a:bodyPr wrap="square" rtlCol="0">
+            <a:spAutoFit/>
+          </a:bodyPr>
+          <a:lstStyle/>
+          <a:p>
+            <a:pPr marL="285750" indent="-285750">
+              <a:buFont typeface="Arial" panose="020B0604020202020204" pitchFamily="34" charset="0"/>
+              <a:buChar char="•"/>
+            </a:pPr>
+            <a:r>
+              <a:rPr lang="en-US" sz="2800" dirty="0">
+                <a:solidFill>
+                  <a:srgbClr val="707070"/>
+                </a:solidFill>
+                <a:latin typeface="Pragmatica" panose="020B0403040502020204" pitchFamily="34" charset="0"/>
+              </a:rPr>
+              <a:t>Download resources: </a:t>
+            </a:r>
+            <a:r>
+              <a:rPr lang="en-US" sz="2800" dirty="0">
+                <a:solidFill>
+                  <a:srgbClr val="707070"/>
+                </a:solidFill>
+                <a:latin typeface="Pragmatica" panose="020B0403040502020204" pitchFamily="34" charset="0"/>
+                <a:hlinkClick r:id="rId4"/>
+              </a:rPr>
+              <a:t>https://github.com/stringfestdata/ms-excel-toronto-python</a:t>
+            </a:r>
+            <a:r>
+              <a:rPr lang="en-US" sz="2800" dirty="0">
+                <a:solidFill>
+                  <a:srgbClr val="707070"/>
+                </a:solidFill>
+                <a:latin typeface="Pragmatica" panose="020B0403040502020204" pitchFamily="34" charset="0"/>
+              </a:rPr>
+              <a:t> </a:t>
+            </a:r>
+          </a:p>
+        </p:txBody>
+      </p:sp>
+      <p:pic>
+        <p:nvPicPr>
+          <p:cNvPr id="13" name="Picture 12" descr="A picture containing text&#10;&#10;Description automatically generated">
+            <a:extLst>
+              <a:ext uri="{FF2B5EF4-FFF2-40B4-BE49-F238E27FC236}">
+                <a16:creationId xmlns:a16="http://schemas.microsoft.com/office/drawing/2014/main" id="{2707F48F-0AE7-4805-B8BB-C89FFA5D1DA0}"/>
+              </a:ext>
+            </a:extLst>
+          </p:cNvPr>
+          <p:cNvPicPr>
+            <a:picLocks noChangeAspect="1"/>
+          </p:cNvPicPr>
+          <p:nvPr/>
+        </p:nvPicPr>
+        <p:blipFill>
+          <a:blip r:embed="rId5">
+            <a:extLst>
+              <a:ext uri="{28A0092B-C50C-407E-A947-70E740481C1C}">
+                <a14:useLocalDpi xmlns:a14="http://schemas.microsoft.com/office/drawing/2010/main" val="0"/>
+              </a:ext>
+            </a:extLst>
+          </a:blip>
+          <a:stretch>
+            <a:fillRect/>
+          </a:stretch>
+        </p:blipFill>
+        <p:spPr>
+          <a:xfrm>
+            <a:off x="762" y="143285"/>
+            <a:ext cx="12190476" cy="6571429"/>
+          </a:xfrm>
+          <a:prstGeom prst="rect">
+            <a:avLst/>
+          </a:prstGeom>
+        </p:spPr>
+      </p:pic>
+    </p:spTree>
+    <p:extLst>
+      <p:ext uri="{BB962C8B-B14F-4D97-AF65-F5344CB8AC3E}">
+        <p14:creationId xmlns:p14="http://schemas.microsoft.com/office/powerpoint/2010/main" val="1832731001"/>
+      </p:ext>
+    </p:extLst>
+  </p:cSld>
+  <p:clrMapOvr>
+    <a:masterClrMapping/>
+  </p:clrMapOvr>
+</p:sld>
+</file>
+
+<file path=ppt/slides/slide10.xml><?xml version="1.0" encoding="utf-8"?>
+<p:sld xmlns:a="http://schemas.openxmlformats.org/drawingml/2006/main" xmlns:r="http://schemas.openxmlformats.org/officeDocument/2006/relationships" xmlns:p="http://schemas.openxmlformats.org/presentationml/2006/main">
+  <p:cSld>
+    <p:spTree>
+      <p:nvGrpSpPr>
+        <p:cNvPr id="1" name=""/>
+        <p:cNvGrpSpPr/>
+        <p:nvPr/>
+      </p:nvGrpSpPr>
+      <p:grpSpPr>
+        <a:xfrm>
+          <a:off x="0" y="0"/>
+          <a:ext cx="0" cy="0"/>
+          <a:chOff x="0" y="0"/>
+          <a:chExt cx="0" cy="0"/>
+        </a:xfrm>
+      </p:grpSpPr>
       <p:sp>
         <p:nvSpPr>
           <p:cNvPr id="4" name="Rectangle 3"/>
@@ -7169,460 +7351,6 @@
         <p:spPr>
           <a:xfrm>
             <a:off x="520861" y="393539"/>
-            <a:ext cx="10324617" cy="6863417"/>
-          </a:xfrm>
-          <a:prstGeom prst="rect">
-            <a:avLst/>
-          </a:prstGeom>
-          <a:noFill/>
-        </p:spPr>
-        <p:txBody>
-          <a:bodyPr wrap="square" rtlCol="0">
-            <a:spAutoFit/>
-          </a:bodyPr>
-          <a:lstStyle/>
-          <a:p>
-            <a:r>
-              <a:rPr lang="en-US" sz="8800" b="1" i="0" dirty="0">
-                <a:solidFill>
-                  <a:schemeClr val="bg1"/>
-                </a:solidFill>
-                <a:effectLst/>
-                <a:latin typeface="u2400"/>
-              </a:rPr>
-              <a:t>✓</a:t>
-            </a:r>
-            <a:r>
-              <a:rPr lang="en-US" sz="8800" b="1" dirty="0">
-                <a:solidFill>
-                  <a:schemeClr val="bg1"/>
-                </a:solidFill>
-                <a:latin typeface="Pragmatica" pitchFamily="2" charset="0"/>
-              </a:rPr>
-              <a:t> Microphone off?</a:t>
-            </a:r>
-            <a:endParaRPr lang="en-US" sz="8800" b="1" i="0" dirty="0">
-              <a:solidFill>
-                <a:schemeClr val="bg1"/>
-              </a:solidFill>
-              <a:effectLst/>
-              <a:latin typeface="u2400"/>
-            </a:endParaRPr>
-          </a:p>
-          <a:p>
-            <a:r>
-              <a:rPr lang="en-US" sz="8800" b="1" i="0" dirty="0">
-                <a:solidFill>
-                  <a:schemeClr val="bg1"/>
-                </a:solidFill>
-                <a:effectLst/>
-                <a:latin typeface="u2400"/>
-              </a:rPr>
-              <a:t>✓</a:t>
-            </a:r>
-            <a:r>
-              <a:rPr lang="en-US" sz="8800" b="1" dirty="0">
-                <a:solidFill>
-                  <a:schemeClr val="bg1"/>
-                </a:solidFill>
-                <a:latin typeface="Pragmatica" pitchFamily="2" charset="0"/>
-              </a:rPr>
-              <a:t> Camera off?</a:t>
-            </a:r>
-          </a:p>
-          <a:p>
-            <a:r>
-              <a:rPr lang="en-US" sz="8800" b="1" i="0" dirty="0">
-                <a:solidFill>
-                  <a:schemeClr val="bg1"/>
-                </a:solidFill>
-                <a:effectLst/>
-                <a:latin typeface="u2400"/>
-              </a:rPr>
-              <a:t>✓</a:t>
-            </a:r>
-            <a:r>
-              <a:rPr lang="en-US" sz="8800" b="1" dirty="0">
-                <a:solidFill>
-                  <a:schemeClr val="bg1"/>
-                </a:solidFill>
-                <a:latin typeface="Pragmatica" pitchFamily="2" charset="0"/>
-              </a:rPr>
-              <a:t> Fun on? </a:t>
-            </a:r>
-          </a:p>
-          <a:p>
-            <a:endParaRPr lang="en-US" sz="8800" b="1" dirty="0">
-              <a:solidFill>
-                <a:schemeClr val="bg1"/>
-              </a:solidFill>
-              <a:latin typeface="Pragmatica" pitchFamily="2" charset="0"/>
-            </a:endParaRPr>
-          </a:p>
-          <a:p>
-            <a:endParaRPr lang="en-US" sz="8800" b="1" dirty="0">
-              <a:solidFill>
-                <a:schemeClr val="bg1"/>
-              </a:solidFill>
-              <a:latin typeface="Pragmatica" pitchFamily="2" charset="0"/>
-            </a:endParaRPr>
-          </a:p>
-        </p:txBody>
-      </p:sp>
-    </p:spTree>
-    <p:extLst>
-      <p:ext uri="{BB962C8B-B14F-4D97-AF65-F5344CB8AC3E}">
-        <p14:creationId xmlns:p14="http://schemas.microsoft.com/office/powerpoint/2010/main" val="1194113444"/>
-      </p:ext>
-    </p:extLst>
-  </p:cSld>
-  <p:clrMapOvr>
-    <a:masterClrMapping/>
-  </p:clrMapOvr>
-</p:sld>
-</file>
-
-<file path=ppt/slides/slide10.xml><?xml version="1.0" encoding="utf-8"?>
-<p:sld xmlns:a="http://schemas.openxmlformats.org/drawingml/2006/main" xmlns:r="http://schemas.openxmlformats.org/officeDocument/2006/relationships" xmlns:p="http://schemas.openxmlformats.org/presentationml/2006/main">
-  <p:cSld>
-    <p:spTree>
-      <p:nvGrpSpPr>
-        <p:cNvPr id="1" name=""/>
-        <p:cNvGrpSpPr/>
-        <p:nvPr/>
-      </p:nvGrpSpPr>
-      <p:grpSpPr>
-        <a:xfrm>
-          <a:off x="0" y="0"/>
-          <a:ext cx="0" cy="0"/>
-          <a:chOff x="0" y="0"/>
-          <a:chExt cx="0" cy="0"/>
-        </a:xfrm>
-      </p:grpSpPr>
-      <p:sp>
-        <p:nvSpPr>
-          <p:cNvPr id="4" name="Rectangle 3"/>
-          <p:cNvSpPr/>
-          <p:nvPr/>
-        </p:nvSpPr>
-        <p:spPr>
-          <a:xfrm>
-            <a:off x="6574420" y="0"/>
-            <a:ext cx="5617580" cy="6858000"/>
-          </a:xfrm>
-          <a:prstGeom prst="rect">
-            <a:avLst/>
-          </a:prstGeom>
-          <a:solidFill>
-            <a:srgbClr val="CF3338"/>
-          </a:solidFill>
-        </p:spPr>
-        <p:style>
-          <a:lnRef idx="2">
-            <a:schemeClr val="accent1">
-              <a:shade val="50000"/>
-            </a:schemeClr>
-          </a:lnRef>
-          <a:fillRef idx="1">
-            <a:schemeClr val="accent1"/>
-          </a:fillRef>
-          <a:effectRef idx="0">
-            <a:schemeClr val="accent1"/>
-          </a:effectRef>
-          <a:fontRef idx="minor">
-            <a:schemeClr val="lt1"/>
-          </a:fontRef>
-        </p:style>
-        <p:txBody>
-          <a:bodyPr rtlCol="0" anchor="ctr"/>
-          <a:lstStyle/>
-          <a:p>
-            <a:pPr algn="ctr"/>
-            <a:endParaRPr lang="en-US"/>
-          </a:p>
-        </p:txBody>
-      </p:sp>
-      <p:sp>
-        <p:nvSpPr>
-          <p:cNvPr id="5" name="TextBox 4"/>
-          <p:cNvSpPr txBox="1"/>
-          <p:nvPr/>
-        </p:nvSpPr>
-        <p:spPr>
-          <a:xfrm>
-            <a:off x="6817489" y="0"/>
-            <a:ext cx="4120587" cy="1446550"/>
-          </a:xfrm>
-          <a:prstGeom prst="rect">
-            <a:avLst/>
-          </a:prstGeom>
-          <a:noFill/>
-        </p:spPr>
-        <p:txBody>
-          <a:bodyPr wrap="square" rtlCol="0">
-            <a:spAutoFit/>
-          </a:bodyPr>
-          <a:lstStyle/>
-          <a:p>
-            <a:r>
-              <a:rPr lang="en-US" sz="8800" dirty="0">
-                <a:solidFill>
-                  <a:schemeClr val="bg1"/>
-                </a:solidFill>
-                <a:latin typeface="Aliens &amp; cows" panose="00000500000000000000" pitchFamily="2" charset="0"/>
-              </a:rPr>
-              <a:t>Demo</a:t>
-            </a:r>
-          </a:p>
-        </p:txBody>
-      </p:sp>
-      <p:pic>
-        <p:nvPicPr>
-          <p:cNvPr id="2" name="Picture 1"/>
-          <p:cNvPicPr>
-            <a:picLocks noChangeAspect="1"/>
-          </p:cNvPicPr>
-          <p:nvPr/>
-        </p:nvPicPr>
-        <p:blipFill rotWithShape="1">
-          <a:blip r:embed="rId3">
-            <a:extLst>
-              <a:ext uri="{28A0092B-C50C-407E-A947-70E740481C1C}">
-                <a14:useLocalDpi xmlns:a14="http://schemas.microsoft.com/office/drawing/2010/main" val="0"/>
-              </a:ext>
-            </a:extLst>
-          </a:blip>
-          <a:srcRect l="69227" t="33418" r="20112" b="50548"/>
-          <a:stretch/>
-        </p:blipFill>
-        <p:spPr>
-          <a:xfrm>
-            <a:off x="10386349" y="5029795"/>
-            <a:ext cx="1805651" cy="1991719"/>
-          </a:xfrm>
-          <a:prstGeom prst="rect">
-            <a:avLst/>
-          </a:prstGeom>
-        </p:spPr>
-      </p:pic>
-      <p:sp>
-        <p:nvSpPr>
-          <p:cNvPr id="3" name="TextBox 2"/>
-          <p:cNvSpPr txBox="1"/>
-          <p:nvPr/>
-        </p:nvSpPr>
-        <p:spPr>
-          <a:xfrm>
-            <a:off x="173620" y="219919"/>
-            <a:ext cx="5937813" cy="954107"/>
-          </a:xfrm>
-          <a:prstGeom prst="rect">
-            <a:avLst/>
-          </a:prstGeom>
-          <a:noFill/>
-        </p:spPr>
-        <p:txBody>
-          <a:bodyPr wrap="square" rtlCol="0">
-            <a:spAutoFit/>
-          </a:bodyPr>
-          <a:lstStyle/>
-          <a:p>
-            <a:r>
-              <a:rPr lang="en-US" sz="2800" b="1" dirty="0">
-                <a:solidFill>
-                  <a:srgbClr val="CF3338"/>
-                </a:solidFill>
-                <a:latin typeface="Pragmatica" pitchFamily="2" charset="0"/>
-              </a:rPr>
-              <a:t>File: </a:t>
-            </a:r>
-            <a:r>
-              <a:rPr lang="en-US" sz="2800" b="1" dirty="0">
-                <a:solidFill>
-                  <a:srgbClr val="CF3338"/>
-                </a:solidFill>
-                <a:latin typeface="Consolas" panose="020B0609020204030204" pitchFamily="49" charset="0"/>
-              </a:rPr>
-              <a:t>thing-2.ipynb</a:t>
-            </a:r>
-          </a:p>
-          <a:p>
-            <a:endParaRPr lang="en-US" sz="2800" b="1" dirty="0">
-              <a:solidFill>
-                <a:srgbClr val="CF3338"/>
-              </a:solidFill>
-              <a:latin typeface="Consolas" panose="020B0609020204030204" pitchFamily="49" charset="0"/>
-            </a:endParaRPr>
-          </a:p>
-        </p:txBody>
-      </p:sp>
-      <p:sp>
-        <p:nvSpPr>
-          <p:cNvPr id="7" name="TextBox 6">
-            <a:extLst>
-              <a:ext uri="{FF2B5EF4-FFF2-40B4-BE49-F238E27FC236}">
-                <a16:creationId xmlns:a16="http://schemas.microsoft.com/office/drawing/2014/main" id="{855BC584-A237-4C91-9DAB-ADA80256CAC8}"/>
-              </a:ext>
-            </a:extLst>
-          </p:cNvPr>
-          <p:cNvSpPr txBox="1"/>
-          <p:nvPr/>
-        </p:nvSpPr>
-        <p:spPr>
-          <a:xfrm>
-            <a:off x="158187" y="1446550"/>
-            <a:ext cx="5937813" cy="1692771"/>
-          </a:xfrm>
-          <a:prstGeom prst="rect">
-            <a:avLst/>
-          </a:prstGeom>
-          <a:noFill/>
-        </p:spPr>
-        <p:txBody>
-          <a:bodyPr wrap="square" rtlCol="0">
-            <a:spAutoFit/>
-          </a:bodyPr>
-          <a:lstStyle/>
-          <a:p>
-            <a:r>
-              <a:rPr lang="en-US" sz="2600" b="1" dirty="0">
-                <a:solidFill>
-                  <a:srgbClr val="CF3338"/>
-                </a:solidFill>
-                <a:latin typeface="Pragmatica" pitchFamily="2" charset="0"/>
-              </a:rPr>
-              <a:t>How does Python handle</a:t>
-            </a:r>
-          </a:p>
-          <a:p>
-            <a:pPr marL="457200" indent="-457200">
-              <a:buFont typeface="Arial" panose="020B0604020202020204" pitchFamily="34" charset="0"/>
-              <a:buChar char="•"/>
-            </a:pPr>
-            <a:r>
-              <a:rPr lang="en-US" sz="2600" b="1" dirty="0">
-                <a:solidFill>
-                  <a:srgbClr val="CF3338"/>
-                </a:solidFill>
-                <a:latin typeface="Pragmatica" pitchFamily="2" charset="0"/>
-              </a:rPr>
-              <a:t>Case sensitivity?</a:t>
-            </a:r>
-          </a:p>
-          <a:p>
-            <a:pPr marL="457200" indent="-457200">
-              <a:buFont typeface="Arial" panose="020B0604020202020204" pitchFamily="34" charset="0"/>
-              <a:buChar char="•"/>
-            </a:pPr>
-            <a:r>
-              <a:rPr lang="en-US" sz="2600" b="1" dirty="0">
-                <a:solidFill>
-                  <a:srgbClr val="CF3338"/>
-                </a:solidFill>
-                <a:latin typeface="Pragmatica" pitchFamily="2" charset="0"/>
-              </a:rPr>
-              <a:t>Indexing?</a:t>
-            </a:r>
-          </a:p>
-          <a:p>
-            <a:pPr marL="457200" indent="-457200">
-              <a:buFont typeface="Arial" panose="020B0604020202020204" pitchFamily="34" charset="0"/>
-              <a:buChar char="•"/>
-            </a:pPr>
-            <a:r>
-              <a:rPr lang="en-US" sz="2600" b="1" dirty="0">
-                <a:solidFill>
-                  <a:srgbClr val="CF3338"/>
-                </a:solidFill>
-                <a:latin typeface="Pragmatica" pitchFamily="2" charset="0"/>
-              </a:rPr>
-              <a:t>Whitespace?</a:t>
-            </a:r>
-          </a:p>
-        </p:txBody>
-      </p:sp>
-    </p:spTree>
-    <p:extLst>
-      <p:ext uri="{BB962C8B-B14F-4D97-AF65-F5344CB8AC3E}">
-        <p14:creationId xmlns:p14="http://schemas.microsoft.com/office/powerpoint/2010/main" val="3395063419"/>
-      </p:ext>
-    </p:extLst>
-  </p:cSld>
-  <p:clrMapOvr>
-    <a:masterClrMapping/>
-  </p:clrMapOvr>
-</p:sld>
-</file>
-
-<file path=ppt/slides/slide11.xml><?xml version="1.0" encoding="utf-8"?>
-<p:sld xmlns:a="http://schemas.openxmlformats.org/drawingml/2006/main" xmlns:r="http://schemas.openxmlformats.org/officeDocument/2006/relationships" xmlns:p="http://schemas.openxmlformats.org/presentationml/2006/main">
-  <p:cSld>
-    <p:spTree>
-      <p:nvGrpSpPr>
-        <p:cNvPr id="1" name=""/>
-        <p:cNvGrpSpPr/>
-        <p:nvPr/>
-      </p:nvGrpSpPr>
-      <p:grpSpPr>
-        <a:xfrm>
-          <a:off x="0" y="0"/>
-          <a:ext cx="0" cy="0"/>
-          <a:chOff x="0" y="0"/>
-          <a:chExt cx="0" cy="0"/>
-        </a:xfrm>
-      </p:grpSpPr>
-      <p:sp>
-        <p:nvSpPr>
-          <p:cNvPr id="4" name="Rectangle 3"/>
-          <p:cNvSpPr/>
-          <p:nvPr/>
-        </p:nvSpPr>
-        <p:spPr>
-          <a:xfrm>
-            <a:off x="0" y="0"/>
-            <a:ext cx="12192000" cy="6858000"/>
-          </a:xfrm>
-          <a:prstGeom prst="rect">
-            <a:avLst/>
-          </a:prstGeom>
-          <a:solidFill>
-            <a:srgbClr val="CF3338"/>
-          </a:solidFill>
-        </p:spPr>
-        <p:style>
-          <a:lnRef idx="2">
-            <a:schemeClr val="accent1">
-              <a:shade val="50000"/>
-            </a:schemeClr>
-          </a:lnRef>
-          <a:fillRef idx="1">
-            <a:schemeClr val="accent1"/>
-          </a:fillRef>
-          <a:effectRef idx="0">
-            <a:schemeClr val="accent1"/>
-          </a:effectRef>
-          <a:fontRef idx="minor">
-            <a:schemeClr val="lt1"/>
-          </a:fontRef>
-        </p:style>
-        <p:txBody>
-          <a:bodyPr rtlCol="0" anchor="ctr"/>
-          <a:lstStyle/>
-          <a:p>
-            <a:pPr algn="ctr"/>
-            <a:endParaRPr lang="en-US"/>
-          </a:p>
-        </p:txBody>
-      </p:sp>
-      <p:sp>
-        <p:nvSpPr>
-          <p:cNvPr id="5" name="TextBox 4"/>
-          <p:cNvSpPr txBox="1"/>
-          <p:nvPr/>
-        </p:nvSpPr>
-        <p:spPr>
-          <a:xfrm>
-            <a:off x="520861" y="393539"/>
             <a:ext cx="10324617" cy="2123658"/>
           </a:xfrm>
           <a:prstGeom prst="rect">
@@ -7661,7 +7389,7 @@
 </p:sld>
 </file>
 
-<file path=ppt/slides/slide12.xml><?xml version="1.0" encoding="utf-8"?>
+<file path=ppt/slides/slide11.xml><?xml version="1.0" encoding="utf-8"?>
 <p:sld xmlns:a="http://schemas.openxmlformats.org/drawingml/2006/main" xmlns:r="http://schemas.openxmlformats.org/officeDocument/2006/relationships" xmlns:p="http://schemas.openxmlformats.org/presentationml/2006/main">
   <p:cSld>
     <p:spTree>
@@ -7999,7 +7727,7 @@
 </p:sld>
 </file>
 
-<file path=ppt/slides/slide13.xml><?xml version="1.0" encoding="utf-8"?>
+<file path=ppt/slides/slide12.xml><?xml version="1.0" encoding="utf-8"?>
 <p:sld xmlns:a="http://schemas.openxmlformats.org/drawingml/2006/main" xmlns:r="http://schemas.openxmlformats.org/officeDocument/2006/relationships" xmlns:p="http://schemas.openxmlformats.org/presentationml/2006/main">
   <p:cSld>
     <p:spTree>
@@ -8635,7 +8363,7 @@
 </p:sld>
 </file>
 
-<file path=ppt/slides/slide14.xml><?xml version="1.0" encoding="utf-8"?>
+<file path=ppt/slides/slide13.xml><?xml version="1.0" encoding="utf-8"?>
 <p:sld xmlns:a="http://schemas.openxmlformats.org/drawingml/2006/main" xmlns:r="http://schemas.openxmlformats.org/officeDocument/2006/relationships" xmlns:p="http://schemas.openxmlformats.org/presentationml/2006/main">
   <p:cSld>
     <p:spTree>
@@ -8892,7 +8620,7 @@
 </p:sld>
 </file>
 
-<file path=ppt/slides/slide15.xml><?xml version="1.0" encoding="utf-8"?>
+<file path=ppt/slides/slide14.xml><?xml version="1.0" encoding="utf-8"?>
 <p:sld xmlns:a="http://schemas.openxmlformats.org/drawingml/2006/main" xmlns:r="http://schemas.openxmlformats.org/officeDocument/2006/relationships" xmlns:p="http://schemas.openxmlformats.org/presentationml/2006/main">
   <p:cSld>
     <p:spTree>
@@ -9015,7 +8743,7 @@
 </p:sld>
 </file>
 
-<file path=ppt/slides/slide16.xml><?xml version="1.0" encoding="utf-8"?>
+<file path=ppt/slides/slide15.xml><?xml version="1.0" encoding="utf-8"?>
 <p:sld xmlns:a="http://schemas.openxmlformats.org/drawingml/2006/main" xmlns:r="http://schemas.openxmlformats.org/officeDocument/2006/relationships" xmlns:p="http://schemas.openxmlformats.org/presentationml/2006/main">
   <p:cSld>
     <p:spTree>
@@ -9122,7 +8850,7 @@
 </p:sld>
 </file>
 
-<file path=ppt/slides/slide17.xml><?xml version="1.0" encoding="utf-8"?>
+<file path=ppt/slides/slide16.xml><?xml version="1.0" encoding="utf-8"?>
 <p:sld xmlns:a="http://schemas.openxmlformats.org/drawingml/2006/main" xmlns:r="http://schemas.openxmlformats.org/officeDocument/2006/relationships" xmlns:p="http://schemas.openxmlformats.org/presentationml/2006/main">
   <p:cSld>
     <p:spTree>
@@ -10004,7 +9732,7 @@
 </p:sld>
 </file>
 
-<file path=ppt/slides/slide18.xml><?xml version="1.0" encoding="utf-8"?>
+<file path=ppt/slides/slide17.xml><?xml version="1.0" encoding="utf-8"?>
 <p:sld xmlns:a="http://schemas.openxmlformats.org/drawingml/2006/main" xmlns:r="http://schemas.openxmlformats.org/officeDocument/2006/relationships" xmlns:p="http://schemas.openxmlformats.org/presentationml/2006/main">
   <p:cSld>
     <p:spTree>
@@ -10143,7 +9871,7 @@
 </p:sld>
 </file>
 
-<file path=ppt/slides/slide19.xml><?xml version="1.0" encoding="utf-8"?>
+<file path=ppt/slides/slide18.xml><?xml version="1.0" encoding="utf-8"?>
 <p:sld xmlns:a="http://schemas.openxmlformats.org/drawingml/2006/main" xmlns:r="http://schemas.openxmlformats.org/officeDocument/2006/relationships" xmlns:p="http://schemas.openxmlformats.org/presentationml/2006/main">
   <p:cSld>
     <p:spTree>
@@ -10346,6 +10074,113 @@
 </p:sld>
 </file>
 
+<file path=ppt/slides/slide19.xml><?xml version="1.0" encoding="utf-8"?>
+<p:sld xmlns:a="http://schemas.openxmlformats.org/drawingml/2006/main" xmlns:r="http://schemas.openxmlformats.org/officeDocument/2006/relationships" xmlns:p="http://schemas.openxmlformats.org/presentationml/2006/main">
+  <p:cSld>
+    <p:spTree>
+      <p:nvGrpSpPr>
+        <p:cNvPr id="1" name=""/>
+        <p:cNvGrpSpPr/>
+        <p:nvPr/>
+      </p:nvGrpSpPr>
+      <p:grpSpPr>
+        <a:xfrm>
+          <a:off x="0" y="0"/>
+          <a:ext cx="0" cy="0"/>
+          <a:chOff x="0" y="0"/>
+          <a:chExt cx="0" cy="0"/>
+        </a:xfrm>
+      </p:grpSpPr>
+      <p:sp>
+        <p:nvSpPr>
+          <p:cNvPr id="4" name="Rectangle 3"/>
+          <p:cNvSpPr/>
+          <p:nvPr/>
+        </p:nvSpPr>
+        <p:spPr>
+          <a:xfrm>
+            <a:off x="0" y="0"/>
+            <a:ext cx="12192000" cy="6858000"/>
+          </a:xfrm>
+          <a:prstGeom prst="rect">
+            <a:avLst/>
+          </a:prstGeom>
+          <a:solidFill>
+            <a:srgbClr val="CF3338"/>
+          </a:solidFill>
+        </p:spPr>
+        <p:style>
+          <a:lnRef idx="2">
+            <a:schemeClr val="accent1">
+              <a:shade val="50000"/>
+            </a:schemeClr>
+          </a:lnRef>
+          <a:fillRef idx="1">
+            <a:schemeClr val="accent1"/>
+          </a:fillRef>
+          <a:effectRef idx="0">
+            <a:schemeClr val="accent1"/>
+          </a:effectRef>
+          <a:fontRef idx="minor">
+            <a:schemeClr val="lt1"/>
+          </a:fontRef>
+        </p:style>
+        <p:txBody>
+          <a:bodyPr rtlCol="0" anchor="ctr"/>
+          <a:lstStyle/>
+          <a:p>
+            <a:pPr algn="ctr"/>
+            <a:endParaRPr lang="en-US"/>
+          </a:p>
+        </p:txBody>
+      </p:sp>
+      <p:sp>
+        <p:nvSpPr>
+          <p:cNvPr id="5" name="TextBox 4"/>
+          <p:cNvSpPr txBox="1"/>
+          <p:nvPr/>
+        </p:nvSpPr>
+        <p:spPr>
+          <a:xfrm>
+            <a:off x="520861" y="393539"/>
+            <a:ext cx="10324617" cy="2123658"/>
+          </a:xfrm>
+          <a:prstGeom prst="rect">
+            <a:avLst/>
+          </a:prstGeom>
+          <a:noFill/>
+        </p:spPr>
+        <p:txBody>
+          <a:bodyPr wrap="square" rtlCol="0">
+            <a:spAutoFit/>
+          </a:bodyPr>
+          <a:lstStyle/>
+          <a:p>
+            <a:r>
+              <a:rPr lang="en-US" sz="6600" b="1" dirty="0">
+                <a:solidFill>
+                  <a:schemeClr val="bg1"/>
+                </a:solidFill>
+                <a:latin typeface="Pragmatica" panose="020B0403040502020204"/>
+              </a:rPr>
+              <a:t>5. It’s not worth panicking over</a:t>
+            </a:r>
+          </a:p>
+        </p:txBody>
+      </p:sp>
+    </p:spTree>
+    <p:extLst>
+      <p:ext uri="{BB962C8B-B14F-4D97-AF65-F5344CB8AC3E}">
+        <p14:creationId xmlns:p14="http://schemas.microsoft.com/office/powerpoint/2010/main" val="2173197422"/>
+      </p:ext>
+    </p:extLst>
+  </p:cSld>
+  <p:clrMapOvr>
+    <a:masterClrMapping/>
+  </p:clrMapOvr>
+</p:sld>
+</file>
+
 <file path=ppt/slides/slide2.xml><?xml version="1.0" encoding="utf-8"?>
 <p:sld xmlns:a="http://schemas.openxmlformats.org/drawingml/2006/main" xmlns:r="http://schemas.openxmlformats.org/officeDocument/2006/relationships" xmlns:p="http://schemas.openxmlformats.org/presentationml/2006/main">
   <p:cSld>
@@ -10456,70 +10291,49 @@
                 </a:solidFill>
                 <a:latin typeface="Pragmatica" panose="020B0403040502020204" pitchFamily="34" charset="0"/>
               </a:rPr>
-              <a:t>Download resources: </a:t>
-            </a:r>
-            <a:r>
-              <a:rPr lang="en-US" sz="2800" dirty="0">
+              <a:t>Download and unzip resources</a:t>
+            </a:r>
+            <a:r>
+              <a:rPr lang="en-US" sz="2800">
+                <a:solidFill>
+                  <a:srgbClr val="707070"/>
+                </a:solidFill>
+                <a:latin typeface="Pragmatica" panose="020B0403040502020204" pitchFamily="34" charset="0"/>
+              </a:rPr>
+              <a:t>: </a:t>
+            </a:r>
+            <a:r>
+              <a:rPr lang="en-US" sz="2800">
                 <a:solidFill>
                   <a:srgbClr val="707070"/>
                 </a:solidFill>
                 <a:latin typeface="Pragmatica" panose="020B0403040502020204" pitchFamily="34" charset="0"/>
                 <a:hlinkClick r:id="rId4"/>
               </a:rPr>
-              <a:t>https://github.com/stringfestdata/ms-excel-toronto-python</a:t>
-            </a:r>
-            <a:r>
-              <a:rPr lang="en-US" sz="2800" dirty="0">
+              <a:t>https://github.com/stringfestdata/python-for-excel-users-intro</a:t>
+            </a:r>
+            <a:r>
+              <a:rPr lang="en-US" sz="2800">
                 <a:solidFill>
                   <a:srgbClr val="707070"/>
                 </a:solidFill>
                 <a:latin typeface="Pragmatica" panose="020B0403040502020204" pitchFamily="34" charset="0"/>
               </a:rPr>
-              <a:t> </a:t>
-            </a:r>
-          </a:p>
-        </p:txBody>
-      </p:sp>
-      <p:pic>
-        <p:nvPicPr>
-          <p:cNvPr id="13" name="Picture 12" descr="A picture containing text&#10;&#10;Description automatically generated">
-            <a:extLst>
-              <a:ext uri="{FF2B5EF4-FFF2-40B4-BE49-F238E27FC236}">
-                <a16:creationId xmlns:a16="http://schemas.microsoft.com/office/drawing/2014/main" id="{2707F48F-0AE7-4805-B8BB-C89FFA5D1DA0}"/>
-              </a:ext>
-            </a:extLst>
-          </p:cNvPr>
-          <p:cNvPicPr>
-            <a:picLocks noChangeAspect="1"/>
-          </p:cNvPicPr>
-          <p:nvPr/>
-        </p:nvPicPr>
-        <p:blipFill>
-          <a:blip r:embed="rId5">
-            <a:extLst>
-              <a:ext uri="{28A0092B-C50C-407E-A947-70E740481C1C}">
-                <a14:useLocalDpi xmlns:a14="http://schemas.microsoft.com/office/drawing/2010/main" val="0"/>
-              </a:ext>
-            </a:extLst>
-          </a:blip>
-          <a:stretch>
-            <a:fillRect/>
-          </a:stretch>
-        </p:blipFill>
-        <p:spPr>
-          <a:xfrm>
-            <a:off x="762" y="143285"/>
-            <a:ext cx="12190476" cy="6571429"/>
-          </a:xfrm>
-          <a:prstGeom prst="rect">
-            <a:avLst/>
-          </a:prstGeom>
-        </p:spPr>
-      </p:pic>
+              <a:t>  </a:t>
+            </a:r>
+            <a:endParaRPr lang="en-US" sz="2800" dirty="0">
+              <a:solidFill>
+                <a:srgbClr val="707070"/>
+              </a:solidFill>
+              <a:latin typeface="Pragmatica" panose="020B0403040502020204" pitchFamily="34" charset="0"/>
+            </a:endParaRPr>
+          </a:p>
+        </p:txBody>
+      </p:sp>
     </p:spTree>
     <p:extLst>
       <p:ext uri="{BB962C8B-B14F-4D97-AF65-F5344CB8AC3E}">
-        <p14:creationId xmlns:p14="http://schemas.microsoft.com/office/powerpoint/2010/main" val="1832731001"/>
+        <p14:creationId xmlns:p14="http://schemas.microsoft.com/office/powerpoint/2010/main" val="3830029867"/>
       </p:ext>
     </p:extLst>
   </p:cSld>
@@ -10530,113 +10344,6 @@
 </file>
 
 <file path=ppt/slides/slide20.xml><?xml version="1.0" encoding="utf-8"?>
-<p:sld xmlns:a="http://schemas.openxmlformats.org/drawingml/2006/main" xmlns:r="http://schemas.openxmlformats.org/officeDocument/2006/relationships" xmlns:p="http://schemas.openxmlformats.org/presentationml/2006/main">
-  <p:cSld>
-    <p:spTree>
-      <p:nvGrpSpPr>
-        <p:cNvPr id="1" name=""/>
-        <p:cNvGrpSpPr/>
-        <p:nvPr/>
-      </p:nvGrpSpPr>
-      <p:grpSpPr>
-        <a:xfrm>
-          <a:off x="0" y="0"/>
-          <a:ext cx="0" cy="0"/>
-          <a:chOff x="0" y="0"/>
-          <a:chExt cx="0" cy="0"/>
-        </a:xfrm>
-      </p:grpSpPr>
-      <p:sp>
-        <p:nvSpPr>
-          <p:cNvPr id="4" name="Rectangle 3"/>
-          <p:cNvSpPr/>
-          <p:nvPr/>
-        </p:nvSpPr>
-        <p:spPr>
-          <a:xfrm>
-            <a:off x="0" y="0"/>
-            <a:ext cx="12192000" cy="6858000"/>
-          </a:xfrm>
-          <a:prstGeom prst="rect">
-            <a:avLst/>
-          </a:prstGeom>
-          <a:solidFill>
-            <a:srgbClr val="CF3338"/>
-          </a:solidFill>
-        </p:spPr>
-        <p:style>
-          <a:lnRef idx="2">
-            <a:schemeClr val="accent1">
-              <a:shade val="50000"/>
-            </a:schemeClr>
-          </a:lnRef>
-          <a:fillRef idx="1">
-            <a:schemeClr val="accent1"/>
-          </a:fillRef>
-          <a:effectRef idx="0">
-            <a:schemeClr val="accent1"/>
-          </a:effectRef>
-          <a:fontRef idx="minor">
-            <a:schemeClr val="lt1"/>
-          </a:fontRef>
-        </p:style>
-        <p:txBody>
-          <a:bodyPr rtlCol="0" anchor="ctr"/>
-          <a:lstStyle/>
-          <a:p>
-            <a:pPr algn="ctr"/>
-            <a:endParaRPr lang="en-US"/>
-          </a:p>
-        </p:txBody>
-      </p:sp>
-      <p:sp>
-        <p:nvSpPr>
-          <p:cNvPr id="5" name="TextBox 4"/>
-          <p:cNvSpPr txBox="1"/>
-          <p:nvPr/>
-        </p:nvSpPr>
-        <p:spPr>
-          <a:xfrm>
-            <a:off x="520861" y="393539"/>
-            <a:ext cx="10324617" cy="2123658"/>
-          </a:xfrm>
-          <a:prstGeom prst="rect">
-            <a:avLst/>
-          </a:prstGeom>
-          <a:noFill/>
-        </p:spPr>
-        <p:txBody>
-          <a:bodyPr wrap="square" rtlCol="0">
-            <a:spAutoFit/>
-          </a:bodyPr>
-          <a:lstStyle/>
-          <a:p>
-            <a:r>
-              <a:rPr lang="en-US" sz="6600" b="1" dirty="0">
-                <a:solidFill>
-                  <a:schemeClr val="bg1"/>
-                </a:solidFill>
-                <a:latin typeface="Pragmatica" panose="020B0403040502020204"/>
-              </a:rPr>
-              <a:t>5. It’s not worth panicking over</a:t>
-            </a:r>
-          </a:p>
-        </p:txBody>
-      </p:sp>
-    </p:spTree>
-    <p:extLst>
-      <p:ext uri="{BB962C8B-B14F-4D97-AF65-F5344CB8AC3E}">
-        <p14:creationId xmlns:p14="http://schemas.microsoft.com/office/powerpoint/2010/main" val="2173197422"/>
-      </p:ext>
-    </p:extLst>
-  </p:cSld>
-  <p:clrMapOvr>
-    <a:masterClrMapping/>
-  </p:clrMapOvr>
-</p:sld>
-</file>
-
-<file path=ppt/slides/slide21.xml><?xml version="1.0" encoding="utf-8"?>
 <p:sld xmlns:a="http://schemas.openxmlformats.org/drawingml/2006/main" xmlns:r="http://schemas.openxmlformats.org/officeDocument/2006/relationships" xmlns:p="http://schemas.openxmlformats.org/presentationml/2006/main">
   <p:cSld>
     <p:spTree>
@@ -10858,7 +10565,7 @@
 </p:sld>
 </file>
 
-<file path=ppt/slides/slide22.xml><?xml version="1.0" encoding="utf-8"?>
+<file path=ppt/slides/slide21.xml><?xml version="1.0" encoding="utf-8"?>
 <p:sld xmlns:a="http://schemas.openxmlformats.org/drawingml/2006/main" xmlns:r="http://schemas.openxmlformats.org/officeDocument/2006/relationships" xmlns:p="http://schemas.openxmlformats.org/presentationml/2006/main">
   <p:cSld>
     <p:spTree>
@@ -10981,7 +10688,7 @@
 </p:sld>
 </file>
 
-<file path=ppt/slides/slide23.xml><?xml version="1.0" encoding="utf-8"?>
+<file path=ppt/slides/slide22.xml><?xml version="1.0" encoding="utf-8"?>
 <p:sld xmlns:a="http://schemas.openxmlformats.org/drawingml/2006/main" xmlns:r="http://schemas.openxmlformats.org/officeDocument/2006/relationships" xmlns:p="http://schemas.openxmlformats.org/presentationml/2006/main">
   <p:cSld>
     <p:spTree>
@@ -11079,6 +10786,269 @@
     <p:extLst>
       <p:ext uri="{BB962C8B-B14F-4D97-AF65-F5344CB8AC3E}">
         <p14:creationId xmlns:p14="http://schemas.microsoft.com/office/powerpoint/2010/main" val="2952985971"/>
+      </p:ext>
+    </p:extLst>
+  </p:cSld>
+  <p:clrMapOvr>
+    <a:masterClrMapping/>
+  </p:clrMapOvr>
+</p:sld>
+</file>
+
+<file path=ppt/slides/slide23.xml><?xml version="1.0" encoding="utf-8"?>
+<p:sld xmlns:a="http://schemas.openxmlformats.org/drawingml/2006/main" xmlns:r="http://schemas.openxmlformats.org/officeDocument/2006/relationships" xmlns:p="http://schemas.openxmlformats.org/presentationml/2006/main">
+  <p:cSld>
+    <p:spTree>
+      <p:nvGrpSpPr>
+        <p:cNvPr id="1" name=""/>
+        <p:cNvGrpSpPr/>
+        <p:nvPr/>
+      </p:nvGrpSpPr>
+      <p:grpSpPr>
+        <a:xfrm>
+          <a:off x="0" y="0"/>
+          <a:ext cx="0" cy="0"/>
+          <a:chOff x="0" y="0"/>
+          <a:chExt cx="0" cy="0"/>
+        </a:xfrm>
+      </p:grpSpPr>
+      <p:pic>
+        <p:nvPicPr>
+          <p:cNvPr id="10" name="Picture 9"/>
+          <p:cNvPicPr>
+            <a:picLocks noChangeAspect="1"/>
+          </p:cNvPicPr>
+          <p:nvPr/>
+        </p:nvPicPr>
+        <p:blipFill rotWithShape="1">
+          <a:blip r:embed="rId3">
+            <a:extLst>
+              <a:ext uri="{28A0092B-C50C-407E-A947-70E740481C1C}">
+                <a14:useLocalDpi xmlns:a14="http://schemas.microsoft.com/office/drawing/2010/main" val="0"/>
+              </a:ext>
+            </a:extLst>
+          </a:blip>
+          <a:srcRect l="50728" t="56371"/>
+          <a:stretch/>
+        </p:blipFill>
+        <p:spPr>
+          <a:xfrm>
+            <a:off x="10894024" y="5370653"/>
+            <a:ext cx="1297975" cy="1487348"/>
+          </a:xfrm>
+          <a:prstGeom prst="rect">
+            <a:avLst/>
+          </a:prstGeom>
+        </p:spPr>
+      </p:pic>
+      <p:sp>
+        <p:nvSpPr>
+          <p:cNvPr id="11" name="TextBox 10"/>
+          <p:cNvSpPr txBox="1"/>
+          <p:nvPr/>
+        </p:nvSpPr>
+        <p:spPr>
+          <a:xfrm>
+            <a:off x="347240" y="113388"/>
+            <a:ext cx="10861534" cy="1015663"/>
+          </a:xfrm>
+          <a:prstGeom prst="rect">
+            <a:avLst/>
+          </a:prstGeom>
+          <a:noFill/>
+        </p:spPr>
+        <p:txBody>
+          <a:bodyPr wrap="square" rtlCol="0">
+            <a:spAutoFit/>
+          </a:bodyPr>
+          <a:lstStyle/>
+          <a:p>
+            <a:r>
+              <a:rPr lang="en-US" sz="6000" dirty="0">
+                <a:latin typeface="Aliens &amp; cows" panose="00000500000000000000" pitchFamily="2" charset="0"/>
+              </a:rPr>
+              <a:t>Take-home activity</a:t>
+            </a:r>
+          </a:p>
+        </p:txBody>
+      </p:sp>
+      <p:sp>
+        <p:nvSpPr>
+          <p:cNvPr id="4" name="TextBox 3">
+            <a:extLst>
+              <a:ext uri="{FF2B5EF4-FFF2-40B4-BE49-F238E27FC236}">
+                <a16:creationId xmlns:a16="http://schemas.microsoft.com/office/drawing/2014/main" id="{5A4F6C64-3E8D-4255-95B8-CF64265213DA}"/>
+              </a:ext>
+            </a:extLst>
+          </p:cNvPr>
+          <p:cNvSpPr txBox="1"/>
+          <p:nvPr/>
+        </p:nvSpPr>
+        <p:spPr>
+          <a:xfrm>
+            <a:off x="347240" y="1479233"/>
+            <a:ext cx="11318287" cy="3539430"/>
+          </a:xfrm>
+          <a:prstGeom prst="rect">
+            <a:avLst/>
+          </a:prstGeom>
+          <a:noFill/>
+        </p:spPr>
+        <p:txBody>
+          <a:bodyPr wrap="square" rtlCol="0">
+            <a:spAutoFit/>
+          </a:bodyPr>
+          <a:lstStyle/>
+          <a:p>
+            <a:pPr marL="457200" indent="-457200">
+              <a:buClr>
+                <a:srgbClr val="CF3338"/>
+              </a:buClr>
+              <a:buFont typeface="Arial" panose="020B0604020202020204" pitchFamily="34" charset="0"/>
+              <a:buChar char="•"/>
+            </a:pPr>
+            <a:r>
+              <a:rPr lang="en-US" sz="2800" dirty="0">
+                <a:solidFill>
+                  <a:srgbClr val="707070"/>
+                </a:solidFill>
+                <a:latin typeface="Pragmatica" panose="020B0403040502020204" pitchFamily="34" charset="0"/>
+              </a:rPr>
+              <a:t>Folder: </a:t>
+            </a:r>
+            <a:r>
+              <a:rPr lang="en-US" sz="2800" dirty="0">
+                <a:solidFill>
+                  <a:srgbClr val="707070"/>
+                </a:solidFill>
+                <a:latin typeface="Consolas" panose="020B0609020204030204" pitchFamily="49" charset="0"/>
+              </a:rPr>
+              <a:t>take-home</a:t>
+            </a:r>
+          </a:p>
+          <a:p>
+            <a:pPr marL="457200" indent="-457200">
+              <a:buClr>
+                <a:srgbClr val="CF3338"/>
+              </a:buClr>
+              <a:buFont typeface="Arial" panose="020B0604020202020204" pitchFamily="34" charset="0"/>
+              <a:buChar char="•"/>
+            </a:pPr>
+            <a:r>
+              <a:rPr lang="en-US" sz="2800" dirty="0">
+                <a:solidFill>
+                  <a:srgbClr val="707070"/>
+                </a:solidFill>
+                <a:latin typeface="Pragmatica" panose="020B0403040502020204"/>
+              </a:rPr>
+              <a:t>Summarize and visualize a dataset in Python “fill in the blank:” </a:t>
+            </a:r>
+            <a:r>
+              <a:rPr lang="en-US" sz="2800" dirty="0">
+                <a:solidFill>
+                  <a:srgbClr val="707070"/>
+                </a:solidFill>
+                <a:latin typeface="Consolas" panose="020B0609020204030204" pitchFamily="49" charset="0"/>
+              </a:rPr>
+              <a:t>five-things-take-</a:t>
+            </a:r>
+            <a:r>
+              <a:rPr lang="en-US" sz="2800" dirty="0" err="1">
+                <a:solidFill>
+                  <a:srgbClr val="707070"/>
+                </a:solidFill>
+                <a:latin typeface="Consolas" panose="020B0609020204030204" pitchFamily="49" charset="0"/>
+              </a:rPr>
+              <a:t>home.ipynb</a:t>
+            </a:r>
+            <a:endParaRPr lang="en-US" sz="2800" dirty="0">
+              <a:solidFill>
+                <a:srgbClr val="707070"/>
+              </a:solidFill>
+              <a:latin typeface="Consolas" panose="020B0609020204030204" pitchFamily="49" charset="0"/>
+            </a:endParaRPr>
+          </a:p>
+          <a:p>
+            <a:pPr marL="457200" indent="-457200">
+              <a:buClr>
+                <a:srgbClr val="CF3338"/>
+              </a:buClr>
+              <a:buFont typeface="Arial" panose="020B0604020202020204" pitchFamily="34" charset="0"/>
+              <a:buChar char="•"/>
+            </a:pPr>
+            <a:r>
+              <a:rPr lang="en-US" sz="2800" dirty="0">
+                <a:solidFill>
+                  <a:srgbClr val="707070"/>
+                </a:solidFill>
+                <a:latin typeface="Pragmatica" panose="020B0403040502020204"/>
+              </a:rPr>
+              <a:t>Solution notebook available: </a:t>
+            </a:r>
+            <a:r>
+              <a:rPr lang="en-US" sz="2800" dirty="0">
+                <a:solidFill>
+                  <a:srgbClr val="707070"/>
+                </a:solidFill>
+                <a:latin typeface="Consolas" panose="020B0609020204030204" pitchFamily="49" charset="0"/>
+              </a:rPr>
+              <a:t>five-things-take-home-</a:t>
+            </a:r>
+            <a:r>
+              <a:rPr lang="en-US" sz="2800" dirty="0" err="1">
+                <a:solidFill>
+                  <a:srgbClr val="707070"/>
+                </a:solidFill>
+                <a:latin typeface="Consolas" panose="020B0609020204030204" pitchFamily="49" charset="0"/>
+              </a:rPr>
+              <a:t>solution.ipynb</a:t>
+            </a:r>
+            <a:endParaRPr lang="en-US" sz="2800" dirty="0">
+              <a:solidFill>
+                <a:srgbClr val="707070"/>
+              </a:solidFill>
+              <a:latin typeface="Consolas" panose="020B0609020204030204" pitchFamily="49" charset="0"/>
+            </a:endParaRPr>
+          </a:p>
+          <a:p>
+            <a:pPr marL="457200" indent="-457200">
+              <a:buClr>
+                <a:srgbClr val="CF3338"/>
+              </a:buClr>
+              <a:buFont typeface="Arial" panose="020B0604020202020204" pitchFamily="34" charset="0"/>
+              <a:buChar char="•"/>
+            </a:pPr>
+            <a:endParaRPr lang="en-US" sz="2800" dirty="0">
+              <a:solidFill>
+                <a:srgbClr val="707070"/>
+              </a:solidFill>
+              <a:latin typeface="Consolas" panose="020B0609020204030204" pitchFamily="49" charset="0"/>
+            </a:endParaRPr>
+          </a:p>
+          <a:p>
+            <a:pPr marL="457200" indent="-457200">
+              <a:buClr>
+                <a:srgbClr val="CF3338"/>
+              </a:buClr>
+              <a:buFont typeface="Arial" panose="020B0604020202020204" pitchFamily="34" charset="0"/>
+              <a:buChar char="•"/>
+            </a:pPr>
+            <a:r>
+              <a:rPr lang="en-US" sz="2800" dirty="0">
+                <a:solidFill>
+                  <a:srgbClr val="707070"/>
+                </a:solidFill>
+                <a:latin typeface="Pragmatica" panose="020B0403040502020204"/>
+              </a:rPr>
+              <a:t>Read the white paper, “Five Things Excel Users Should Know About Python” (included in downloads)</a:t>
+            </a:r>
+          </a:p>
+        </p:txBody>
+      </p:sp>
+    </p:spTree>
+    <p:extLst>
+      <p:ext uri="{BB962C8B-B14F-4D97-AF65-F5344CB8AC3E}">
+        <p14:creationId xmlns:p14="http://schemas.microsoft.com/office/powerpoint/2010/main" val="1850583779"/>
       </p:ext>
     </p:extLst>
   </p:cSld>
@@ -11160,269 +11130,6 @@
               <a:rPr lang="en-US" sz="6000" dirty="0">
                 <a:latin typeface="Aliens &amp; cows" panose="00000500000000000000" pitchFamily="2" charset="0"/>
               </a:rPr>
-              <a:t>Take-home activity</a:t>
-            </a:r>
-          </a:p>
-        </p:txBody>
-      </p:sp>
-      <p:sp>
-        <p:nvSpPr>
-          <p:cNvPr id="4" name="TextBox 3">
-            <a:extLst>
-              <a:ext uri="{FF2B5EF4-FFF2-40B4-BE49-F238E27FC236}">
-                <a16:creationId xmlns:a16="http://schemas.microsoft.com/office/drawing/2014/main" id="{5A4F6C64-3E8D-4255-95B8-CF64265213DA}"/>
-              </a:ext>
-            </a:extLst>
-          </p:cNvPr>
-          <p:cNvSpPr txBox="1"/>
-          <p:nvPr/>
-        </p:nvSpPr>
-        <p:spPr>
-          <a:xfrm>
-            <a:off x="347240" y="1479233"/>
-            <a:ext cx="11318287" cy="3539430"/>
-          </a:xfrm>
-          <a:prstGeom prst="rect">
-            <a:avLst/>
-          </a:prstGeom>
-          <a:noFill/>
-        </p:spPr>
-        <p:txBody>
-          <a:bodyPr wrap="square" rtlCol="0">
-            <a:spAutoFit/>
-          </a:bodyPr>
-          <a:lstStyle/>
-          <a:p>
-            <a:pPr marL="457200" indent="-457200">
-              <a:buClr>
-                <a:srgbClr val="CF3338"/>
-              </a:buClr>
-              <a:buFont typeface="Arial" panose="020B0604020202020204" pitchFamily="34" charset="0"/>
-              <a:buChar char="•"/>
-            </a:pPr>
-            <a:r>
-              <a:rPr lang="en-US" sz="2800" dirty="0">
-                <a:solidFill>
-                  <a:srgbClr val="707070"/>
-                </a:solidFill>
-                <a:latin typeface="Pragmatica" panose="020B0403040502020204" pitchFamily="34" charset="0"/>
-              </a:rPr>
-              <a:t>Folder: </a:t>
-            </a:r>
-            <a:r>
-              <a:rPr lang="en-US" sz="2800" dirty="0">
-                <a:solidFill>
-                  <a:srgbClr val="707070"/>
-                </a:solidFill>
-                <a:latin typeface="Consolas" panose="020B0609020204030204" pitchFamily="49" charset="0"/>
-              </a:rPr>
-              <a:t>take-home</a:t>
-            </a:r>
-          </a:p>
-          <a:p>
-            <a:pPr marL="457200" indent="-457200">
-              <a:buClr>
-                <a:srgbClr val="CF3338"/>
-              </a:buClr>
-              <a:buFont typeface="Arial" panose="020B0604020202020204" pitchFamily="34" charset="0"/>
-              <a:buChar char="•"/>
-            </a:pPr>
-            <a:r>
-              <a:rPr lang="en-US" sz="2800" dirty="0">
-                <a:solidFill>
-                  <a:srgbClr val="707070"/>
-                </a:solidFill>
-                <a:latin typeface="Pragmatica" panose="020B0403040502020204"/>
-              </a:rPr>
-              <a:t>Summarize and visualize a dataset in Python “fill in the blank:” </a:t>
-            </a:r>
-            <a:r>
-              <a:rPr lang="en-US" sz="2800" dirty="0">
-                <a:solidFill>
-                  <a:srgbClr val="707070"/>
-                </a:solidFill>
-                <a:latin typeface="Consolas" panose="020B0609020204030204" pitchFamily="49" charset="0"/>
-              </a:rPr>
-              <a:t>five-things-take-</a:t>
-            </a:r>
-            <a:r>
-              <a:rPr lang="en-US" sz="2800" dirty="0" err="1">
-                <a:solidFill>
-                  <a:srgbClr val="707070"/>
-                </a:solidFill>
-                <a:latin typeface="Consolas" panose="020B0609020204030204" pitchFamily="49" charset="0"/>
-              </a:rPr>
-              <a:t>home.ipynb</a:t>
-            </a:r>
-            <a:endParaRPr lang="en-US" sz="2800" dirty="0">
-              <a:solidFill>
-                <a:srgbClr val="707070"/>
-              </a:solidFill>
-              <a:latin typeface="Consolas" panose="020B0609020204030204" pitchFamily="49" charset="0"/>
-            </a:endParaRPr>
-          </a:p>
-          <a:p>
-            <a:pPr marL="457200" indent="-457200">
-              <a:buClr>
-                <a:srgbClr val="CF3338"/>
-              </a:buClr>
-              <a:buFont typeface="Arial" panose="020B0604020202020204" pitchFamily="34" charset="0"/>
-              <a:buChar char="•"/>
-            </a:pPr>
-            <a:r>
-              <a:rPr lang="en-US" sz="2800" dirty="0">
-                <a:solidFill>
-                  <a:srgbClr val="707070"/>
-                </a:solidFill>
-                <a:latin typeface="Pragmatica" panose="020B0403040502020204"/>
-              </a:rPr>
-              <a:t>Solution notebook available: </a:t>
-            </a:r>
-            <a:r>
-              <a:rPr lang="en-US" sz="2800" dirty="0">
-                <a:solidFill>
-                  <a:srgbClr val="707070"/>
-                </a:solidFill>
-                <a:latin typeface="Consolas" panose="020B0609020204030204" pitchFamily="49" charset="0"/>
-              </a:rPr>
-              <a:t>five-things-take-home-</a:t>
-            </a:r>
-            <a:r>
-              <a:rPr lang="en-US" sz="2800" dirty="0" err="1">
-                <a:solidFill>
-                  <a:srgbClr val="707070"/>
-                </a:solidFill>
-                <a:latin typeface="Consolas" panose="020B0609020204030204" pitchFamily="49" charset="0"/>
-              </a:rPr>
-              <a:t>solution.ipynb</a:t>
-            </a:r>
-            <a:endParaRPr lang="en-US" sz="2800" dirty="0">
-              <a:solidFill>
-                <a:srgbClr val="707070"/>
-              </a:solidFill>
-              <a:latin typeface="Consolas" panose="020B0609020204030204" pitchFamily="49" charset="0"/>
-            </a:endParaRPr>
-          </a:p>
-          <a:p>
-            <a:pPr marL="457200" indent="-457200">
-              <a:buClr>
-                <a:srgbClr val="CF3338"/>
-              </a:buClr>
-              <a:buFont typeface="Arial" panose="020B0604020202020204" pitchFamily="34" charset="0"/>
-              <a:buChar char="•"/>
-            </a:pPr>
-            <a:endParaRPr lang="en-US" sz="2800" dirty="0">
-              <a:solidFill>
-                <a:srgbClr val="707070"/>
-              </a:solidFill>
-              <a:latin typeface="Consolas" panose="020B0609020204030204" pitchFamily="49" charset="0"/>
-            </a:endParaRPr>
-          </a:p>
-          <a:p>
-            <a:pPr marL="457200" indent="-457200">
-              <a:buClr>
-                <a:srgbClr val="CF3338"/>
-              </a:buClr>
-              <a:buFont typeface="Arial" panose="020B0604020202020204" pitchFamily="34" charset="0"/>
-              <a:buChar char="•"/>
-            </a:pPr>
-            <a:r>
-              <a:rPr lang="en-US" sz="2800" dirty="0">
-                <a:solidFill>
-                  <a:srgbClr val="707070"/>
-                </a:solidFill>
-                <a:latin typeface="Pragmatica" panose="020B0403040502020204"/>
-              </a:rPr>
-              <a:t>Read the white paper, “Five Things Excel Users Should Know About Python” (included in downloads)</a:t>
-            </a:r>
-          </a:p>
-        </p:txBody>
-      </p:sp>
-    </p:spTree>
-    <p:extLst>
-      <p:ext uri="{BB962C8B-B14F-4D97-AF65-F5344CB8AC3E}">
-        <p14:creationId xmlns:p14="http://schemas.microsoft.com/office/powerpoint/2010/main" val="1850583779"/>
-      </p:ext>
-    </p:extLst>
-  </p:cSld>
-  <p:clrMapOvr>
-    <a:masterClrMapping/>
-  </p:clrMapOvr>
-</p:sld>
-</file>
-
-<file path=ppt/slides/slide25.xml><?xml version="1.0" encoding="utf-8"?>
-<p:sld xmlns:a="http://schemas.openxmlformats.org/drawingml/2006/main" xmlns:r="http://schemas.openxmlformats.org/officeDocument/2006/relationships" xmlns:p="http://schemas.openxmlformats.org/presentationml/2006/main">
-  <p:cSld>
-    <p:spTree>
-      <p:nvGrpSpPr>
-        <p:cNvPr id="1" name=""/>
-        <p:cNvGrpSpPr/>
-        <p:nvPr/>
-      </p:nvGrpSpPr>
-      <p:grpSpPr>
-        <a:xfrm>
-          <a:off x="0" y="0"/>
-          <a:ext cx="0" cy="0"/>
-          <a:chOff x="0" y="0"/>
-          <a:chExt cx="0" cy="0"/>
-        </a:xfrm>
-      </p:grpSpPr>
-      <p:pic>
-        <p:nvPicPr>
-          <p:cNvPr id="10" name="Picture 9"/>
-          <p:cNvPicPr>
-            <a:picLocks noChangeAspect="1"/>
-          </p:cNvPicPr>
-          <p:nvPr/>
-        </p:nvPicPr>
-        <p:blipFill rotWithShape="1">
-          <a:blip r:embed="rId3">
-            <a:extLst>
-              <a:ext uri="{28A0092B-C50C-407E-A947-70E740481C1C}">
-                <a14:useLocalDpi xmlns:a14="http://schemas.microsoft.com/office/drawing/2010/main" val="0"/>
-              </a:ext>
-            </a:extLst>
-          </a:blip>
-          <a:srcRect l="50728" t="56371"/>
-          <a:stretch/>
-        </p:blipFill>
-        <p:spPr>
-          <a:xfrm>
-            <a:off x="10894024" y="5370653"/>
-            <a:ext cx="1297975" cy="1487348"/>
-          </a:xfrm>
-          <a:prstGeom prst="rect">
-            <a:avLst/>
-          </a:prstGeom>
-        </p:spPr>
-      </p:pic>
-      <p:sp>
-        <p:nvSpPr>
-          <p:cNvPr id="11" name="TextBox 10"/>
-          <p:cNvSpPr txBox="1"/>
-          <p:nvPr/>
-        </p:nvSpPr>
-        <p:spPr>
-          <a:xfrm>
-            <a:off x="347240" y="113388"/>
-            <a:ext cx="10861534" cy="1015663"/>
-          </a:xfrm>
-          <a:prstGeom prst="rect">
-            <a:avLst/>
-          </a:prstGeom>
-          <a:noFill/>
-        </p:spPr>
-        <p:txBody>
-          <a:bodyPr wrap="square" rtlCol="0">
-            <a:spAutoFit/>
-          </a:bodyPr>
-          <a:lstStyle/>
-          <a:p>
-            <a:r>
-              <a:rPr lang="en-US" sz="6000" dirty="0">
-                <a:latin typeface="Aliens &amp; cows" panose="00000500000000000000" pitchFamily="2" charset="0"/>
-              </a:rPr>
               <a:t>Extra</a:t>
             </a:r>
           </a:p>
@@ -11569,6 +11276,153 @@
     <p:extLst>
       <p:ext uri="{BB962C8B-B14F-4D97-AF65-F5344CB8AC3E}">
         <p14:creationId xmlns:p14="http://schemas.microsoft.com/office/powerpoint/2010/main" val="1776657579"/>
+      </p:ext>
+    </p:extLst>
+  </p:cSld>
+  <p:clrMapOvr>
+    <a:masterClrMapping/>
+  </p:clrMapOvr>
+</p:sld>
+</file>
+
+<file path=ppt/slides/slide25.xml><?xml version="1.0" encoding="utf-8"?>
+<p:sld xmlns:a="http://schemas.openxmlformats.org/drawingml/2006/main" xmlns:r="http://schemas.openxmlformats.org/officeDocument/2006/relationships" xmlns:p="http://schemas.openxmlformats.org/presentationml/2006/main">
+  <p:cSld>
+    <p:spTree>
+      <p:nvGrpSpPr>
+        <p:cNvPr id="1" name=""/>
+        <p:cNvGrpSpPr/>
+        <p:nvPr/>
+      </p:nvGrpSpPr>
+      <p:grpSpPr>
+        <a:xfrm>
+          <a:off x="0" y="0"/>
+          <a:ext cx="0" cy="0"/>
+          <a:chOff x="0" y="0"/>
+          <a:chExt cx="0" cy="0"/>
+        </a:xfrm>
+      </p:grpSpPr>
+      <p:pic>
+        <p:nvPicPr>
+          <p:cNvPr id="10" name="Picture 9"/>
+          <p:cNvPicPr>
+            <a:picLocks noChangeAspect="1"/>
+          </p:cNvPicPr>
+          <p:nvPr/>
+        </p:nvPicPr>
+        <p:blipFill rotWithShape="1">
+          <a:blip r:embed="rId2">
+            <a:extLst>
+              <a:ext uri="{28A0092B-C50C-407E-A947-70E740481C1C}">
+                <a14:useLocalDpi xmlns:a14="http://schemas.microsoft.com/office/drawing/2010/main" val="0"/>
+              </a:ext>
+            </a:extLst>
+          </a:blip>
+          <a:srcRect l="50728" t="56371"/>
+          <a:stretch/>
+        </p:blipFill>
+        <p:spPr>
+          <a:xfrm>
+            <a:off x="8136460" y="2210765"/>
+            <a:ext cx="4055539" cy="4647236"/>
+          </a:xfrm>
+          <a:prstGeom prst="rect">
+            <a:avLst/>
+          </a:prstGeom>
+        </p:spPr>
+      </p:pic>
+      <p:pic>
+        <p:nvPicPr>
+          <p:cNvPr id="4" name="Picture 3"/>
+          <p:cNvPicPr>
+            <a:picLocks noChangeAspect="1"/>
+          </p:cNvPicPr>
+          <p:nvPr/>
+        </p:nvPicPr>
+        <p:blipFill>
+          <a:blip r:embed="rId3">
+            <a:extLst>
+              <a:ext uri="{28A0092B-C50C-407E-A947-70E740481C1C}">
+                <a14:useLocalDpi xmlns:a14="http://schemas.microsoft.com/office/drawing/2010/main" val="0"/>
+              </a:ext>
+            </a:extLst>
+          </a:blip>
+          <a:stretch>
+            <a:fillRect/>
+          </a:stretch>
+        </p:blipFill>
+        <p:spPr>
+          <a:xfrm>
+            <a:off x="-538496" y="-2482770"/>
+            <a:ext cx="10171472" cy="7459883"/>
+          </a:xfrm>
+          <a:prstGeom prst="rect">
+            <a:avLst/>
+          </a:prstGeom>
+        </p:spPr>
+      </p:pic>
+      <p:sp>
+        <p:nvSpPr>
+          <p:cNvPr id="11" name="TextBox 10"/>
+          <p:cNvSpPr txBox="1"/>
+          <p:nvPr/>
+        </p:nvSpPr>
+        <p:spPr>
+          <a:xfrm>
+            <a:off x="324091" y="1687545"/>
+            <a:ext cx="7986531" cy="1384995"/>
+          </a:xfrm>
+          <a:prstGeom prst="rect">
+            <a:avLst/>
+          </a:prstGeom>
+          <a:noFill/>
+        </p:spPr>
+        <p:txBody>
+          <a:bodyPr wrap="square" rtlCol="0">
+            <a:spAutoFit/>
+          </a:bodyPr>
+          <a:lstStyle/>
+          <a:p>
+            <a:r>
+              <a:rPr lang="en-US" sz="2800" b="1" dirty="0">
+                <a:solidFill>
+                  <a:srgbClr val="707070"/>
+                </a:solidFill>
+                <a:latin typeface="Pragmatica" panose="020B0403040502020204" pitchFamily="34" charset="0"/>
+              </a:rPr>
+              <a:t>Event survey: </a:t>
+            </a:r>
+            <a:r>
+              <a:rPr lang="en-US" sz="2800" b="1" dirty="0">
+                <a:solidFill>
+                  <a:srgbClr val="707070"/>
+                </a:solidFill>
+                <a:latin typeface="Pragmatica" panose="020B0403040502020204" pitchFamily="34" charset="0"/>
+                <a:hlinkClick r:id="rId4"/>
+              </a:rPr>
+              <a:t>https://forms.office.com/r/0ZnD0LxpZy</a:t>
+            </a:r>
+            <a:endParaRPr lang="en-US" sz="2800" b="1" dirty="0">
+              <a:solidFill>
+                <a:srgbClr val="707070"/>
+              </a:solidFill>
+              <a:latin typeface="Pragmatica" panose="020B0403040502020204" pitchFamily="34" charset="0"/>
+            </a:endParaRPr>
+          </a:p>
+          <a:p>
+            <a:endParaRPr lang="en-US" sz="2800" b="1" dirty="0">
+              <a:solidFill>
+                <a:srgbClr val="707070"/>
+              </a:solidFill>
+              <a:latin typeface="Pragmatica" panose="020B0403040502020204" pitchFamily="34" charset="0"/>
+            </a:endParaRPr>
+          </a:p>
+        </p:txBody>
+      </p:sp>
+    </p:spTree>
+    <p:extLst>
+      <p:ext uri="{BB962C8B-B14F-4D97-AF65-F5344CB8AC3E}">
+        <p14:creationId xmlns:p14="http://schemas.microsoft.com/office/powerpoint/2010/main" val="3360935609"/>
       </p:ext>
     </p:extLst>
   </p:cSld>
@@ -11663,153 +11517,6 @@
         <p:spPr>
           <a:xfrm>
             <a:off x="324091" y="1687545"/>
-            <a:ext cx="7986531" cy="1384995"/>
-          </a:xfrm>
-          <a:prstGeom prst="rect">
-            <a:avLst/>
-          </a:prstGeom>
-          <a:noFill/>
-        </p:spPr>
-        <p:txBody>
-          <a:bodyPr wrap="square" rtlCol="0">
-            <a:spAutoFit/>
-          </a:bodyPr>
-          <a:lstStyle/>
-          <a:p>
-            <a:r>
-              <a:rPr lang="en-US" sz="2800" b="1" dirty="0">
-                <a:solidFill>
-                  <a:srgbClr val="707070"/>
-                </a:solidFill>
-                <a:latin typeface="Pragmatica" panose="020B0403040502020204" pitchFamily="34" charset="0"/>
-              </a:rPr>
-              <a:t>Event survey: </a:t>
-            </a:r>
-            <a:r>
-              <a:rPr lang="en-US" sz="2800" b="1" dirty="0">
-                <a:solidFill>
-                  <a:srgbClr val="707070"/>
-                </a:solidFill>
-                <a:latin typeface="Pragmatica" panose="020B0403040502020204" pitchFamily="34" charset="0"/>
-                <a:hlinkClick r:id="rId4"/>
-              </a:rPr>
-              <a:t>https://forms.office.com/r/0ZnD0LxpZy</a:t>
-            </a:r>
-            <a:endParaRPr lang="en-US" sz="2800" b="1" dirty="0">
-              <a:solidFill>
-                <a:srgbClr val="707070"/>
-              </a:solidFill>
-              <a:latin typeface="Pragmatica" panose="020B0403040502020204" pitchFamily="34" charset="0"/>
-            </a:endParaRPr>
-          </a:p>
-          <a:p>
-            <a:endParaRPr lang="en-US" sz="2800" b="1" dirty="0">
-              <a:solidFill>
-                <a:srgbClr val="707070"/>
-              </a:solidFill>
-              <a:latin typeface="Pragmatica" panose="020B0403040502020204" pitchFamily="34" charset="0"/>
-            </a:endParaRPr>
-          </a:p>
-        </p:txBody>
-      </p:sp>
-    </p:spTree>
-    <p:extLst>
-      <p:ext uri="{BB962C8B-B14F-4D97-AF65-F5344CB8AC3E}">
-        <p14:creationId xmlns:p14="http://schemas.microsoft.com/office/powerpoint/2010/main" val="3360935609"/>
-      </p:ext>
-    </p:extLst>
-  </p:cSld>
-  <p:clrMapOvr>
-    <a:masterClrMapping/>
-  </p:clrMapOvr>
-</p:sld>
-</file>
-
-<file path=ppt/slides/slide27.xml><?xml version="1.0" encoding="utf-8"?>
-<p:sld xmlns:a="http://schemas.openxmlformats.org/drawingml/2006/main" xmlns:r="http://schemas.openxmlformats.org/officeDocument/2006/relationships" xmlns:p="http://schemas.openxmlformats.org/presentationml/2006/main">
-  <p:cSld>
-    <p:spTree>
-      <p:nvGrpSpPr>
-        <p:cNvPr id="1" name=""/>
-        <p:cNvGrpSpPr/>
-        <p:nvPr/>
-      </p:nvGrpSpPr>
-      <p:grpSpPr>
-        <a:xfrm>
-          <a:off x="0" y="0"/>
-          <a:ext cx="0" cy="0"/>
-          <a:chOff x="0" y="0"/>
-          <a:chExt cx="0" cy="0"/>
-        </a:xfrm>
-      </p:grpSpPr>
-      <p:pic>
-        <p:nvPicPr>
-          <p:cNvPr id="10" name="Picture 9"/>
-          <p:cNvPicPr>
-            <a:picLocks noChangeAspect="1"/>
-          </p:cNvPicPr>
-          <p:nvPr/>
-        </p:nvPicPr>
-        <p:blipFill rotWithShape="1">
-          <a:blip r:embed="rId2">
-            <a:extLst>
-              <a:ext uri="{28A0092B-C50C-407E-A947-70E740481C1C}">
-                <a14:useLocalDpi xmlns:a14="http://schemas.microsoft.com/office/drawing/2010/main" val="0"/>
-              </a:ext>
-            </a:extLst>
-          </a:blip>
-          <a:srcRect l="50728" t="56371"/>
-          <a:stretch/>
-        </p:blipFill>
-        <p:spPr>
-          <a:xfrm>
-            <a:off x="8136460" y="2210765"/>
-            <a:ext cx="4055539" cy="4647236"/>
-          </a:xfrm>
-          <a:prstGeom prst="rect">
-            <a:avLst/>
-          </a:prstGeom>
-        </p:spPr>
-      </p:pic>
-      <p:pic>
-        <p:nvPicPr>
-          <p:cNvPr id="4" name="Picture 3"/>
-          <p:cNvPicPr>
-            <a:picLocks noChangeAspect="1"/>
-          </p:cNvPicPr>
-          <p:nvPr/>
-        </p:nvPicPr>
-        <p:blipFill>
-          <a:blip r:embed="rId3">
-            <a:extLst>
-              <a:ext uri="{28A0092B-C50C-407E-A947-70E740481C1C}">
-                <a14:useLocalDpi xmlns:a14="http://schemas.microsoft.com/office/drawing/2010/main" val="0"/>
-              </a:ext>
-            </a:extLst>
-          </a:blip>
-          <a:stretch>
-            <a:fillRect/>
-          </a:stretch>
-        </p:blipFill>
-        <p:spPr>
-          <a:xfrm>
-            <a:off x="-538496" y="-2482770"/>
-            <a:ext cx="10171472" cy="7459883"/>
-          </a:xfrm>
-          <a:prstGeom prst="rect">
-            <a:avLst/>
-          </a:prstGeom>
-        </p:spPr>
-      </p:pic>
-      <p:sp>
-        <p:nvSpPr>
-          <p:cNvPr id="11" name="TextBox 10"/>
-          <p:cNvSpPr txBox="1"/>
-          <p:nvPr/>
-        </p:nvSpPr>
-        <p:spPr>
-          <a:xfrm>
-            <a:off x="324091" y="1687545"/>
             <a:ext cx="7986531" cy="2369880"/>
           </a:xfrm>
           <a:prstGeom prst="rect">
@@ -11911,153 +11618,6 @@
 </file>
 
 <file path=ppt/slides/slide3.xml><?xml version="1.0" encoding="utf-8"?>
-<p:sld xmlns:a="http://schemas.openxmlformats.org/drawingml/2006/main" xmlns:r="http://schemas.openxmlformats.org/officeDocument/2006/relationships" xmlns:p="http://schemas.openxmlformats.org/presentationml/2006/main">
-  <p:cSld>
-    <p:spTree>
-      <p:nvGrpSpPr>
-        <p:cNvPr id="1" name=""/>
-        <p:cNvGrpSpPr/>
-        <p:nvPr/>
-      </p:nvGrpSpPr>
-      <p:grpSpPr>
-        <a:xfrm>
-          <a:off x="0" y="0"/>
-          <a:ext cx="0" cy="0"/>
-          <a:chOff x="0" y="0"/>
-          <a:chExt cx="0" cy="0"/>
-        </a:xfrm>
-      </p:grpSpPr>
-      <p:pic>
-        <p:nvPicPr>
-          <p:cNvPr id="10" name="Picture 9"/>
-          <p:cNvPicPr>
-            <a:picLocks noChangeAspect="1"/>
-          </p:cNvPicPr>
-          <p:nvPr/>
-        </p:nvPicPr>
-        <p:blipFill rotWithShape="1">
-          <a:blip r:embed="rId3">
-            <a:extLst>
-              <a:ext uri="{28A0092B-C50C-407E-A947-70E740481C1C}">
-                <a14:useLocalDpi xmlns:a14="http://schemas.microsoft.com/office/drawing/2010/main" val="0"/>
-              </a:ext>
-            </a:extLst>
-          </a:blip>
-          <a:srcRect l="50728" t="56371"/>
-          <a:stretch/>
-        </p:blipFill>
-        <p:spPr>
-          <a:xfrm>
-            <a:off x="10894024" y="5370653"/>
-            <a:ext cx="1297975" cy="1487348"/>
-          </a:xfrm>
-          <a:prstGeom prst="rect">
-            <a:avLst/>
-          </a:prstGeom>
-        </p:spPr>
-      </p:pic>
-      <p:sp>
-        <p:nvSpPr>
-          <p:cNvPr id="11" name="TextBox 10"/>
-          <p:cNvSpPr txBox="1"/>
-          <p:nvPr/>
-        </p:nvSpPr>
-        <p:spPr>
-          <a:xfrm>
-            <a:off x="347240" y="113388"/>
-            <a:ext cx="9799937" cy="1015663"/>
-          </a:xfrm>
-          <a:prstGeom prst="rect">
-            <a:avLst/>
-          </a:prstGeom>
-          <a:noFill/>
-        </p:spPr>
-        <p:txBody>
-          <a:bodyPr wrap="square" rtlCol="0">
-            <a:spAutoFit/>
-          </a:bodyPr>
-          <a:lstStyle/>
-          <a:p>
-            <a:r>
-              <a:rPr lang="en-US" sz="6000" dirty="0">
-                <a:latin typeface="Aliens &amp; cows" panose="00000500000000000000" pitchFamily="2" charset="0"/>
-              </a:rPr>
-              <a:t>Follow along</a:t>
-            </a:r>
-          </a:p>
-        </p:txBody>
-      </p:sp>
-      <p:sp>
-        <p:nvSpPr>
-          <p:cNvPr id="3" name="TextBox 2"/>
-          <p:cNvSpPr txBox="1"/>
-          <p:nvPr/>
-        </p:nvSpPr>
-        <p:spPr>
-          <a:xfrm>
-            <a:off x="462988" y="1365813"/>
-            <a:ext cx="8245584" cy="1384995"/>
-          </a:xfrm>
-          <a:prstGeom prst="rect">
-            <a:avLst/>
-          </a:prstGeom>
-          <a:noFill/>
-        </p:spPr>
-        <p:txBody>
-          <a:bodyPr wrap="square" rtlCol="0">
-            <a:spAutoFit/>
-          </a:bodyPr>
-          <a:lstStyle/>
-          <a:p>
-            <a:pPr marL="285750" indent="-285750">
-              <a:buFont typeface="Arial" panose="020B0604020202020204" pitchFamily="34" charset="0"/>
-              <a:buChar char="•"/>
-            </a:pPr>
-            <a:r>
-              <a:rPr lang="en-US" sz="2800" dirty="0">
-                <a:solidFill>
-                  <a:srgbClr val="707070"/>
-                </a:solidFill>
-                <a:latin typeface="Pragmatica" panose="020B0403040502020204" pitchFamily="34" charset="0"/>
-              </a:rPr>
-              <a:t>Download and unzip resources: </a:t>
-            </a:r>
-            <a:r>
-              <a:rPr lang="en-US" sz="2800" dirty="0">
-                <a:solidFill>
-                  <a:srgbClr val="707070"/>
-                </a:solidFill>
-                <a:latin typeface="Pragmatica" panose="020B0403040502020204" pitchFamily="34" charset="0"/>
-                <a:hlinkClick r:id="rId4"/>
-              </a:rPr>
-              <a:t>https://github.com/stringfestdata/python-for-excel-users</a:t>
-            </a:r>
-            <a:r>
-              <a:rPr lang="en-US" sz="2800" dirty="0">
-                <a:solidFill>
-                  <a:srgbClr val="707070"/>
-                </a:solidFill>
-                <a:latin typeface="Pragmatica" panose="020B0403040502020204" pitchFamily="34" charset="0"/>
-              </a:rPr>
-              <a:t>  </a:t>
-            </a:r>
-          </a:p>
-        </p:txBody>
-      </p:sp>
-    </p:spTree>
-    <p:extLst>
-      <p:ext uri="{BB962C8B-B14F-4D97-AF65-F5344CB8AC3E}">
-        <p14:creationId xmlns:p14="http://schemas.microsoft.com/office/powerpoint/2010/main" val="3830029867"/>
-      </p:ext>
-    </p:extLst>
-  </p:cSld>
-  <p:clrMapOvr>
-    <a:masterClrMapping/>
-  </p:clrMapOvr>
-</p:sld>
-</file>
-
-<file path=ppt/slides/slide4.xml><?xml version="1.0" encoding="utf-8"?>
 <p:sld xmlns:a="http://schemas.openxmlformats.org/drawingml/2006/main" xmlns:r="http://schemas.openxmlformats.org/officeDocument/2006/relationships" xmlns:p="http://schemas.openxmlformats.org/presentationml/2006/main">
   <p:cSld>
     <p:spTree>
@@ -12180,7 +11740,7 @@
 </p:sld>
 </file>
 
-<file path=ppt/slides/slide5.xml><?xml version="1.0" encoding="utf-8"?>
+<file path=ppt/slides/slide4.xml><?xml version="1.0" encoding="utf-8"?>
 <p:sld xmlns:a="http://schemas.openxmlformats.org/drawingml/2006/main" xmlns:r="http://schemas.openxmlformats.org/officeDocument/2006/relationships" xmlns:p="http://schemas.openxmlformats.org/presentationml/2006/main">
   <p:cSld>
     <p:spTree>
@@ -12287,7 +11847,7 @@
 </p:sld>
 </file>
 
-<file path=ppt/slides/slide6.xml><?xml version="1.0" encoding="utf-8"?>
+<file path=ppt/slides/slide5.xml><?xml version="1.0" encoding="utf-8"?>
 <p:sld xmlns:a="http://schemas.openxmlformats.org/drawingml/2006/main" xmlns:r="http://schemas.openxmlformats.org/officeDocument/2006/relationships" xmlns:p="http://schemas.openxmlformats.org/presentationml/2006/main">
   <p:cSld>
     <p:spTree>
@@ -12661,7 +12221,7 @@
 </p:sld>
 </file>
 
-<file path=ppt/slides/slide7.xml><?xml version="1.0" encoding="utf-8"?>
+<file path=ppt/slides/slide6.xml><?xml version="1.0" encoding="utf-8"?>
 <p:sld xmlns:a="http://schemas.openxmlformats.org/drawingml/2006/main" xmlns:r="http://schemas.openxmlformats.org/officeDocument/2006/relationships" xmlns:p="http://schemas.openxmlformats.org/presentationml/2006/main">
   <p:cSld>
     <p:spTree>
@@ -13069,7 +12629,7 @@
 </p:sld>
 </file>
 
-<file path=ppt/slides/slide8.xml><?xml version="1.0" encoding="utf-8"?>
+<file path=ppt/slides/slide7.xml><?xml version="1.0" encoding="utf-8"?>
 <p:sld xmlns:a="http://schemas.openxmlformats.org/drawingml/2006/main" xmlns:r="http://schemas.openxmlformats.org/officeDocument/2006/relationships" xmlns:p="http://schemas.openxmlformats.org/presentationml/2006/main">
   <p:cSld>
     <p:spTree>
@@ -13508,7 +13068,7 @@
 </p:sld>
 </file>
 
-<file path=ppt/slides/slide9.xml><?xml version="1.0" encoding="utf-8"?>
+<file path=ppt/slides/slide8.xml><?xml version="1.0" encoding="utf-8"?>
 <p:sld xmlns:a="http://schemas.openxmlformats.org/drawingml/2006/main" xmlns:r="http://schemas.openxmlformats.org/officeDocument/2006/relationships" xmlns:p="http://schemas.openxmlformats.org/presentationml/2006/main">
   <p:cSld>
     <p:spTree>
@@ -13606,6 +13166,278 @@
     <p:extLst>
       <p:ext uri="{BB962C8B-B14F-4D97-AF65-F5344CB8AC3E}">
         <p14:creationId xmlns:p14="http://schemas.microsoft.com/office/powerpoint/2010/main" val="1991586970"/>
+      </p:ext>
+    </p:extLst>
+  </p:cSld>
+  <p:clrMapOvr>
+    <a:masterClrMapping/>
+  </p:clrMapOvr>
+</p:sld>
+</file>
+
+<file path=ppt/slides/slide9.xml><?xml version="1.0" encoding="utf-8"?>
+<p:sld xmlns:a="http://schemas.openxmlformats.org/drawingml/2006/main" xmlns:r="http://schemas.openxmlformats.org/officeDocument/2006/relationships" xmlns:p="http://schemas.openxmlformats.org/presentationml/2006/main">
+  <p:cSld>
+    <p:spTree>
+      <p:nvGrpSpPr>
+        <p:cNvPr id="1" name=""/>
+        <p:cNvGrpSpPr/>
+        <p:nvPr/>
+      </p:nvGrpSpPr>
+      <p:grpSpPr>
+        <a:xfrm>
+          <a:off x="0" y="0"/>
+          <a:ext cx="0" cy="0"/>
+          <a:chOff x="0" y="0"/>
+          <a:chExt cx="0" cy="0"/>
+        </a:xfrm>
+      </p:grpSpPr>
+      <p:sp>
+        <p:nvSpPr>
+          <p:cNvPr id="4" name="Rectangle 3"/>
+          <p:cNvSpPr/>
+          <p:nvPr/>
+        </p:nvSpPr>
+        <p:spPr>
+          <a:xfrm>
+            <a:off x="6574420" y="0"/>
+            <a:ext cx="5617580" cy="6858000"/>
+          </a:xfrm>
+          <a:prstGeom prst="rect">
+            <a:avLst/>
+          </a:prstGeom>
+          <a:solidFill>
+            <a:srgbClr val="CF3338"/>
+          </a:solidFill>
+        </p:spPr>
+        <p:style>
+          <a:lnRef idx="2">
+            <a:schemeClr val="accent1">
+              <a:shade val="50000"/>
+            </a:schemeClr>
+          </a:lnRef>
+          <a:fillRef idx="1">
+            <a:schemeClr val="accent1"/>
+          </a:fillRef>
+          <a:effectRef idx="0">
+            <a:schemeClr val="accent1"/>
+          </a:effectRef>
+          <a:fontRef idx="minor">
+            <a:schemeClr val="lt1"/>
+          </a:fontRef>
+        </p:style>
+        <p:txBody>
+          <a:bodyPr rtlCol="0" anchor="ctr"/>
+          <a:lstStyle/>
+          <a:p>
+            <a:pPr algn="ctr"/>
+            <a:endParaRPr lang="en-US"/>
+          </a:p>
+        </p:txBody>
+      </p:sp>
+      <p:sp>
+        <p:nvSpPr>
+          <p:cNvPr id="5" name="TextBox 4"/>
+          <p:cNvSpPr txBox="1"/>
+          <p:nvPr/>
+        </p:nvSpPr>
+        <p:spPr>
+          <a:xfrm>
+            <a:off x="6817489" y="0"/>
+            <a:ext cx="4120587" cy="1446550"/>
+          </a:xfrm>
+          <a:prstGeom prst="rect">
+            <a:avLst/>
+          </a:prstGeom>
+          <a:noFill/>
+        </p:spPr>
+        <p:txBody>
+          <a:bodyPr wrap="square" rtlCol="0">
+            <a:spAutoFit/>
+          </a:bodyPr>
+          <a:lstStyle/>
+          <a:p>
+            <a:r>
+              <a:rPr lang="en-US" sz="8800" dirty="0">
+                <a:solidFill>
+                  <a:schemeClr val="bg1"/>
+                </a:solidFill>
+                <a:latin typeface="Aliens &amp; cows" panose="00000500000000000000" pitchFamily="2" charset="0"/>
+              </a:rPr>
+              <a:t>Demo</a:t>
+            </a:r>
+          </a:p>
+        </p:txBody>
+      </p:sp>
+      <p:pic>
+        <p:nvPicPr>
+          <p:cNvPr id="2" name="Picture 1"/>
+          <p:cNvPicPr>
+            <a:picLocks noChangeAspect="1"/>
+          </p:cNvPicPr>
+          <p:nvPr/>
+        </p:nvPicPr>
+        <p:blipFill rotWithShape="1">
+          <a:blip r:embed="rId3">
+            <a:extLst>
+              <a:ext uri="{28A0092B-C50C-407E-A947-70E740481C1C}">
+                <a14:useLocalDpi xmlns:a14="http://schemas.microsoft.com/office/drawing/2010/main" val="0"/>
+              </a:ext>
+            </a:extLst>
+          </a:blip>
+          <a:srcRect l="69227" t="33418" r="20112" b="50548"/>
+          <a:stretch/>
+        </p:blipFill>
+        <p:spPr>
+          <a:xfrm>
+            <a:off x="10386349" y="5029795"/>
+            <a:ext cx="1805651" cy="1991719"/>
+          </a:xfrm>
+          <a:prstGeom prst="rect">
+            <a:avLst/>
+          </a:prstGeom>
+        </p:spPr>
+      </p:pic>
+      <p:sp>
+        <p:nvSpPr>
+          <p:cNvPr id="3" name="TextBox 2"/>
+          <p:cNvSpPr txBox="1"/>
+          <p:nvPr/>
+        </p:nvSpPr>
+        <p:spPr>
+          <a:xfrm>
+            <a:off x="173620" y="219919"/>
+            <a:ext cx="5937813" cy="954107"/>
+          </a:xfrm>
+          <a:prstGeom prst="rect">
+            <a:avLst/>
+          </a:prstGeom>
+          <a:noFill/>
+        </p:spPr>
+        <p:txBody>
+          <a:bodyPr wrap="square" rtlCol="0">
+            <a:spAutoFit/>
+          </a:bodyPr>
+          <a:lstStyle/>
+          <a:p>
+            <a:r>
+              <a:rPr lang="en-US" sz="2800" b="1" dirty="0">
+                <a:solidFill>
+                  <a:srgbClr val="CF3338"/>
+                </a:solidFill>
+                <a:latin typeface="Pragmatica" pitchFamily="2" charset="0"/>
+              </a:rPr>
+              <a:t>File: </a:t>
+            </a:r>
+            <a:r>
+              <a:rPr lang="en-US" sz="2800" b="1" dirty="0">
+                <a:solidFill>
+                  <a:srgbClr val="CF3338"/>
+                </a:solidFill>
+                <a:latin typeface="Consolas" panose="020B0609020204030204" pitchFamily="49" charset="0"/>
+              </a:rPr>
+              <a:t>thing-2.ipynb</a:t>
+            </a:r>
+          </a:p>
+          <a:p>
+            <a:endParaRPr lang="en-US" sz="2800" b="1" dirty="0">
+              <a:solidFill>
+                <a:srgbClr val="CF3338"/>
+              </a:solidFill>
+              <a:latin typeface="Consolas" panose="020B0609020204030204" pitchFamily="49" charset="0"/>
+            </a:endParaRPr>
+          </a:p>
+        </p:txBody>
+      </p:sp>
+      <p:sp>
+        <p:nvSpPr>
+          <p:cNvPr id="7" name="TextBox 6">
+            <a:extLst>
+              <a:ext uri="{FF2B5EF4-FFF2-40B4-BE49-F238E27FC236}">
+                <a16:creationId xmlns:a16="http://schemas.microsoft.com/office/drawing/2014/main" id="{855BC584-A237-4C91-9DAB-ADA80256CAC8}"/>
+              </a:ext>
+            </a:extLst>
+          </p:cNvPr>
+          <p:cNvSpPr txBox="1"/>
+          <p:nvPr/>
+        </p:nvSpPr>
+        <p:spPr>
+          <a:xfrm>
+            <a:off x="158187" y="1446550"/>
+            <a:ext cx="5937813" cy="1692771"/>
+          </a:xfrm>
+          <a:prstGeom prst="rect">
+            <a:avLst/>
+          </a:prstGeom>
+          <a:noFill/>
+        </p:spPr>
+        <p:txBody>
+          <a:bodyPr wrap="square" rtlCol="0">
+            <a:spAutoFit/>
+          </a:bodyPr>
+          <a:lstStyle/>
+          <a:p>
+            <a:r>
+              <a:rPr lang="en-US" sz="2600" b="1" dirty="0">
+                <a:solidFill>
+                  <a:srgbClr val="CF3338"/>
+                </a:solidFill>
+                <a:latin typeface="Pragmatica" pitchFamily="2" charset="0"/>
+              </a:rPr>
+              <a:t>How does Python handle</a:t>
+            </a:r>
+          </a:p>
+          <a:p>
+            <a:pPr marL="457200" indent="-457200">
+              <a:buFont typeface="Arial" panose="020B0604020202020204" pitchFamily="34" charset="0"/>
+              <a:buChar char="•"/>
+            </a:pPr>
+            <a:r>
+              <a:rPr lang="en-US" sz="2600" b="1" dirty="0">
+                <a:solidFill>
+                  <a:srgbClr val="CF3338"/>
+                </a:solidFill>
+                <a:latin typeface="Pragmatica" pitchFamily="2" charset="0"/>
+              </a:rPr>
+              <a:t>Case sensitivity?</a:t>
+            </a:r>
+          </a:p>
+          <a:p>
+            <a:pPr marL="457200" indent="-457200">
+              <a:buFont typeface="Arial" panose="020B0604020202020204" pitchFamily="34" charset="0"/>
+              <a:buChar char="•"/>
+            </a:pPr>
+            <a:r>
+              <a:rPr lang="en-US" sz="2600" b="1" dirty="0">
+                <a:solidFill>
+                  <a:srgbClr val="CF3338"/>
+                </a:solidFill>
+                <a:latin typeface="Pragmatica" pitchFamily="2" charset="0"/>
+              </a:rPr>
+              <a:t>Indexing?</a:t>
+            </a:r>
+          </a:p>
+          <a:p>
+            <a:pPr marL="457200" indent="-457200">
+              <a:buFont typeface="Arial" panose="020B0604020202020204" pitchFamily="34" charset="0"/>
+              <a:buChar char="•"/>
+            </a:pPr>
+            <a:r>
+              <a:rPr lang="en-US" sz="2600" b="1" dirty="0">
+                <a:solidFill>
+                  <a:srgbClr val="CF3338"/>
+                </a:solidFill>
+                <a:latin typeface="Pragmatica" pitchFamily="2" charset="0"/>
+              </a:rPr>
+              <a:t>Whitespace?</a:t>
+            </a:r>
+          </a:p>
+        </p:txBody>
+      </p:sp>
+    </p:spTree>
+    <p:extLst>
+      <p:ext uri="{BB962C8B-B14F-4D97-AF65-F5344CB8AC3E}">
+        <p14:creationId xmlns:p14="http://schemas.microsoft.com/office/powerpoint/2010/main" val="3395063419"/>
       </p:ext>
     </p:extLst>
   </p:cSld>
